--- a/slides/slides.pptx
+++ b/slides/slides.pptx
@@ -7,7 +7,7 @@
     <p:sldMasterId id="2147483948" r:id="rId3"/>
   </p:sldMasterIdLst>
   <p:notesMasterIdLst>
-    <p:notesMasterId r:id="rId27"/>
+    <p:notesMasterId r:id="rId29"/>
   </p:notesMasterIdLst>
   <p:sldIdLst>
     <p:sldId id="256" r:id="rId4"/>
@@ -25,14 +25,16 @@
     <p:sldId id="268" r:id="rId16"/>
     <p:sldId id="273" r:id="rId17"/>
     <p:sldId id="269" r:id="rId18"/>
-    <p:sldId id="274" r:id="rId19"/>
-    <p:sldId id="270" r:id="rId20"/>
-    <p:sldId id="276" r:id="rId21"/>
-    <p:sldId id="272" r:id="rId22"/>
-    <p:sldId id="277" r:id="rId23"/>
-    <p:sldId id="275" r:id="rId24"/>
-    <p:sldId id="278" r:id="rId25"/>
-    <p:sldId id="271" r:id="rId26"/>
+    <p:sldId id="280" r:id="rId19"/>
+    <p:sldId id="274" r:id="rId20"/>
+    <p:sldId id="270" r:id="rId21"/>
+    <p:sldId id="276" r:id="rId22"/>
+    <p:sldId id="272" r:id="rId23"/>
+    <p:sldId id="277" r:id="rId24"/>
+    <p:sldId id="275" r:id="rId25"/>
+    <p:sldId id="278" r:id="rId26"/>
+    <p:sldId id="271" r:id="rId27"/>
+    <p:sldId id="281" r:id="rId28"/>
   </p:sldIdLst>
   <p:sldSz cx="9144000" cy="6858000" type="screen4x3"/>
   <p:notesSz cx="6858000" cy="9144000"/>
@@ -885,7 +887,7 @@
 <dgm:dataModel xmlns:dgm="http://schemas.openxmlformats.org/drawingml/2006/diagram" xmlns:a="http://schemas.openxmlformats.org/drawingml/2006/main">
   <dgm:ptLst>
     <dgm:pt modelId="{04BDA976-B2EC-48F7-BF5F-17DCFDC9611F}" type="doc">
-      <dgm:prSet loTypeId="urn:microsoft.com/office/officeart/2005/8/layout/StepDownProcess" loCatId="process" qsTypeId="urn:microsoft.com/office/officeart/2005/8/quickstyle/simple1" qsCatId="simple" csTypeId="urn:microsoft.com/office/officeart/2005/8/colors/accent1_2" csCatId="accent1" phldr="1"/>
+      <dgm:prSet loTypeId="urn:microsoft.com/office/officeart/2005/8/layout/StepDownProcess" loCatId="process" qsTypeId="urn:microsoft.com/office/officeart/2005/8/quickstyle/simple5" qsCatId="simple" csTypeId="urn:microsoft.com/office/officeart/2005/8/colors/accent1_2" csCatId="accent1" phldr="1"/>
       <dgm:spPr/>
       <dgm:t>
         <a:bodyPr/>
@@ -1116,10 +1118,24 @@
     <dgm:pt modelId="{1CDADD54-F1DE-4A6A-BBC9-1E20732A2B3C}" type="pres">
       <dgm:prSet presAssocID="{1C6EAC4A-E155-46A8-A018-8CC4DBF07C73}" presName="composite" presStyleCnt="0"/>
       <dgm:spPr/>
+      <dgm:t>
+        <a:bodyPr/>
+        <a:lstStyle/>
+        <a:p>
+          <a:endParaRPr lang="fr-FR"/>
+        </a:p>
+      </dgm:t>
     </dgm:pt>
     <dgm:pt modelId="{52D7E23B-C9EF-4EB2-925D-091BF3433F32}" type="pres">
       <dgm:prSet presAssocID="{1C6EAC4A-E155-46A8-A018-8CC4DBF07C73}" presName="bentUpArrow1" presStyleLbl="alignImgPlace1" presStyleIdx="0" presStyleCnt="3"/>
       <dgm:spPr/>
+      <dgm:t>
+        <a:bodyPr/>
+        <a:lstStyle/>
+        <a:p>
+          <a:endParaRPr lang="fr-FR"/>
+        </a:p>
+      </dgm:t>
     </dgm:pt>
     <dgm:pt modelId="{AA3CDC83-71B4-4053-BC7D-67427BB8C828}" type="pres">
       <dgm:prSet presAssocID="{1C6EAC4A-E155-46A8-A018-8CC4DBF07C73}" presName="ParentText" presStyleLbl="node1" presStyleIdx="0" presStyleCnt="4">
@@ -1147,18 +1163,46 @@
         </dgm:presLayoutVars>
       </dgm:prSet>
       <dgm:spPr/>
+      <dgm:t>
+        <a:bodyPr/>
+        <a:lstStyle/>
+        <a:p>
+          <a:endParaRPr lang="fr-FR"/>
+        </a:p>
+      </dgm:t>
     </dgm:pt>
     <dgm:pt modelId="{66900244-2A00-475E-A2F7-466CFFC0F63C}" type="pres">
       <dgm:prSet presAssocID="{C562AD94-A220-4B76-AA51-BE6138F8A7BC}" presName="sibTrans" presStyleCnt="0"/>
       <dgm:spPr/>
+      <dgm:t>
+        <a:bodyPr/>
+        <a:lstStyle/>
+        <a:p>
+          <a:endParaRPr lang="fr-FR"/>
+        </a:p>
+      </dgm:t>
     </dgm:pt>
     <dgm:pt modelId="{DD1EAFDF-7FBA-41F5-BD41-80EC0C80A5C0}" type="pres">
       <dgm:prSet presAssocID="{3A4571FA-0FE8-49E5-A76D-B099492B04EA}" presName="composite" presStyleCnt="0"/>
       <dgm:spPr/>
+      <dgm:t>
+        <a:bodyPr/>
+        <a:lstStyle/>
+        <a:p>
+          <a:endParaRPr lang="fr-FR"/>
+        </a:p>
+      </dgm:t>
     </dgm:pt>
     <dgm:pt modelId="{E5808E14-6A35-47A3-B4F3-7023491FFD6F}" type="pres">
       <dgm:prSet presAssocID="{3A4571FA-0FE8-49E5-A76D-B099492B04EA}" presName="bentUpArrow1" presStyleLbl="alignImgPlace1" presStyleIdx="1" presStyleCnt="3"/>
       <dgm:spPr/>
+      <dgm:t>
+        <a:bodyPr/>
+        <a:lstStyle/>
+        <a:p>
+          <a:endParaRPr lang="fr-FR"/>
+        </a:p>
+      </dgm:t>
     </dgm:pt>
     <dgm:pt modelId="{6D69BBCB-94D2-4CCC-82EB-6554FE227274}" type="pres">
       <dgm:prSet presAssocID="{3A4571FA-0FE8-49E5-A76D-B099492B04EA}" presName="ParentText" presStyleLbl="node1" presStyleIdx="1" presStyleCnt="4">
@@ -1197,10 +1241,24 @@
     <dgm:pt modelId="{D53E574C-7173-4042-9011-8976FA75F51F}" type="pres">
       <dgm:prSet presAssocID="{BC961DA9-ADE9-4330-A0C4-CA9606798F7F}" presName="sibTrans" presStyleCnt="0"/>
       <dgm:spPr/>
+      <dgm:t>
+        <a:bodyPr/>
+        <a:lstStyle/>
+        <a:p>
+          <a:endParaRPr lang="fr-FR"/>
+        </a:p>
+      </dgm:t>
     </dgm:pt>
     <dgm:pt modelId="{E2893E3F-F21A-4BF3-BE5A-FD1CF1648446}" type="pres">
       <dgm:prSet presAssocID="{81DDD6F4-8277-4724-9645-34654D22A08B}" presName="composite" presStyleCnt="0"/>
       <dgm:spPr/>
+      <dgm:t>
+        <a:bodyPr/>
+        <a:lstStyle/>
+        <a:p>
+          <a:endParaRPr lang="fr-FR"/>
+        </a:p>
+      </dgm:t>
     </dgm:pt>
     <dgm:pt modelId="{6FFD5B89-FFD6-46A6-8049-69D31439367F}" type="pres">
       <dgm:prSet presAssocID="{81DDD6F4-8277-4724-9645-34654D22A08B}" presName="bentUpArrow1" presStyleLbl="alignImgPlace1" presStyleIdx="2" presStyleCnt="3"/>
@@ -1250,10 +1308,24 @@
     <dgm:pt modelId="{F85418D6-1145-4EA8-A1A9-DDC7A4F74B06}" type="pres">
       <dgm:prSet presAssocID="{8A5BC61F-8E73-46D4-8797-84B7B3C91335}" presName="sibTrans" presStyleCnt="0"/>
       <dgm:spPr/>
+      <dgm:t>
+        <a:bodyPr/>
+        <a:lstStyle/>
+        <a:p>
+          <a:endParaRPr lang="fr-FR"/>
+        </a:p>
+      </dgm:t>
     </dgm:pt>
     <dgm:pt modelId="{48222838-8B32-48BA-9798-9E2EB9290451}" type="pres">
       <dgm:prSet presAssocID="{44CCB8EE-769E-4CD1-B591-89928B4C8430}" presName="composite" presStyleCnt="0"/>
       <dgm:spPr/>
+      <dgm:t>
+        <a:bodyPr/>
+        <a:lstStyle/>
+        <a:p>
+          <a:endParaRPr lang="fr-FR"/>
+        </a:p>
+      </dgm:t>
     </dgm:pt>
     <dgm:pt modelId="{A9428C27-B0A8-4F57-9C11-36910A3F60FF}" type="pres">
       <dgm:prSet presAssocID="{44CCB8EE-769E-4CD1-B591-89928B4C8430}" presName="ParentText" presStyleLbl="node1" presStyleIdx="3" presStyleCnt="4">
@@ -1345,27 +1417,36 @@
             <a:alphaOff val="0"/>
           </a:schemeClr>
         </a:solidFill>
-        <a:ln w="25400" cap="flat" cmpd="sng" algn="ctr">
-          <a:solidFill>
-            <a:schemeClr val="lt1">
-              <a:hueOff val="0"/>
-              <a:satOff val="0"/>
-              <a:lumOff val="0"/>
-              <a:alphaOff val="0"/>
-            </a:schemeClr>
-          </a:solidFill>
-          <a:prstDash val="solid"/>
+        <a:ln>
+          <a:noFill/>
         </a:ln>
-        <a:effectLst/>
+        <a:effectLst>
+          <a:outerShdw blurRad="40000" dist="23000" dir="5400000" rotWithShape="0">
+            <a:srgbClr val="000000">
+              <a:alpha val="35000"/>
+            </a:srgbClr>
+          </a:outerShdw>
+        </a:effectLst>
+        <a:scene3d>
+          <a:camera prst="orthographicFront">
+            <a:rot lat="0" lon="0" rev="0"/>
+          </a:camera>
+          <a:lightRig rig="threePt" dir="t">
+            <a:rot lat="0" lon="0" rev="1200000"/>
+          </a:lightRig>
+        </a:scene3d>
+        <a:sp3d>
+          <a:bevelT w="63500" h="25400"/>
+        </a:sp3d>
       </dsp:spPr>
       <dsp:style>
-        <a:lnRef idx="2">
+        <a:lnRef idx="0">
           <a:scrgbClr r="0" g="0" b="0"/>
         </a:lnRef>
         <a:fillRef idx="1">
           <a:scrgbClr r="0" g="0" b="0"/>
         </a:fillRef>
-        <a:effectRef idx="0">
+        <a:effectRef idx="3">
           <a:scrgbClr r="0" g="0" b="0"/>
         </a:effectRef>
         <a:fontRef idx="minor"/>
@@ -1386,35 +1467,71 @@
             <a:gd name="adj" fmla="val 16670"/>
           </a:avLst>
         </a:prstGeom>
-        <a:solidFill>
-          <a:schemeClr val="accent1">
-            <a:hueOff val="0"/>
-            <a:satOff val="0"/>
-            <a:lumOff val="0"/>
-            <a:alphaOff val="0"/>
-          </a:schemeClr>
-        </a:solidFill>
-        <a:ln w="25400" cap="flat" cmpd="sng" algn="ctr">
-          <a:solidFill>
-            <a:schemeClr val="lt1">
-              <a:hueOff val="0"/>
-              <a:satOff val="0"/>
-              <a:lumOff val="0"/>
-              <a:alphaOff val="0"/>
-            </a:schemeClr>
-          </a:solidFill>
-          <a:prstDash val="solid"/>
+        <a:gradFill rotWithShape="0">
+          <a:gsLst>
+            <a:gs pos="0">
+              <a:schemeClr val="accent1">
+                <a:hueOff val="0"/>
+                <a:satOff val="0"/>
+                <a:lumOff val="0"/>
+                <a:alphaOff val="0"/>
+                <a:shade val="51000"/>
+                <a:satMod val="130000"/>
+              </a:schemeClr>
+            </a:gs>
+            <a:gs pos="80000">
+              <a:schemeClr val="accent1">
+                <a:hueOff val="0"/>
+                <a:satOff val="0"/>
+                <a:lumOff val="0"/>
+                <a:alphaOff val="0"/>
+                <a:shade val="93000"/>
+                <a:satMod val="130000"/>
+              </a:schemeClr>
+            </a:gs>
+            <a:gs pos="100000">
+              <a:schemeClr val="accent1">
+                <a:hueOff val="0"/>
+                <a:satOff val="0"/>
+                <a:lumOff val="0"/>
+                <a:alphaOff val="0"/>
+                <a:shade val="94000"/>
+                <a:satMod val="135000"/>
+              </a:schemeClr>
+            </a:gs>
+          </a:gsLst>
+          <a:lin ang="16200000" scaled="0"/>
+        </a:gradFill>
+        <a:ln>
+          <a:noFill/>
         </a:ln>
-        <a:effectLst/>
+        <a:effectLst>
+          <a:outerShdw blurRad="40000" dist="23000" dir="5400000" rotWithShape="0">
+            <a:srgbClr val="000000">
+              <a:alpha val="35000"/>
+            </a:srgbClr>
+          </a:outerShdw>
+        </a:effectLst>
+        <a:scene3d>
+          <a:camera prst="orthographicFront">
+            <a:rot lat="0" lon="0" rev="0"/>
+          </a:camera>
+          <a:lightRig rig="threePt" dir="t">
+            <a:rot lat="0" lon="0" rev="1200000"/>
+          </a:lightRig>
+        </a:scene3d>
+        <a:sp3d>
+          <a:bevelT w="63500" h="25400"/>
+        </a:sp3d>
       </dsp:spPr>
       <dsp:style>
-        <a:lnRef idx="2">
+        <a:lnRef idx="0">
           <a:scrgbClr r="0" g="0" b="0"/>
         </a:lnRef>
-        <a:fillRef idx="1">
+        <a:fillRef idx="3">
           <a:scrgbClr r="0" g="0" b="0"/>
         </a:fillRef>
-        <a:effectRef idx="0">
+        <a:effectRef idx="3">
           <a:scrgbClr r="0" g="0" b="0"/>
         </a:effectRef>
         <a:fontRef idx="minor">
@@ -1516,27 +1633,36 @@
             <a:alphaOff val="0"/>
           </a:schemeClr>
         </a:solidFill>
-        <a:ln w="25400" cap="flat" cmpd="sng" algn="ctr">
-          <a:solidFill>
-            <a:schemeClr val="lt1">
-              <a:hueOff val="0"/>
-              <a:satOff val="0"/>
-              <a:lumOff val="0"/>
-              <a:alphaOff val="0"/>
-            </a:schemeClr>
-          </a:solidFill>
-          <a:prstDash val="solid"/>
+        <a:ln>
+          <a:noFill/>
         </a:ln>
-        <a:effectLst/>
+        <a:effectLst>
+          <a:outerShdw blurRad="40000" dist="23000" dir="5400000" rotWithShape="0">
+            <a:srgbClr val="000000">
+              <a:alpha val="35000"/>
+            </a:srgbClr>
+          </a:outerShdw>
+        </a:effectLst>
+        <a:scene3d>
+          <a:camera prst="orthographicFront">
+            <a:rot lat="0" lon="0" rev="0"/>
+          </a:camera>
+          <a:lightRig rig="threePt" dir="t">
+            <a:rot lat="0" lon="0" rev="1200000"/>
+          </a:lightRig>
+        </a:scene3d>
+        <a:sp3d>
+          <a:bevelT w="63500" h="25400"/>
+        </a:sp3d>
       </dsp:spPr>
       <dsp:style>
-        <a:lnRef idx="2">
+        <a:lnRef idx="0">
           <a:scrgbClr r="0" g="0" b="0"/>
         </a:lnRef>
         <a:fillRef idx="1">
           <a:scrgbClr r="0" g="0" b="0"/>
         </a:fillRef>
-        <a:effectRef idx="0">
+        <a:effectRef idx="3">
           <a:scrgbClr r="0" g="0" b="0"/>
         </a:effectRef>
         <a:fontRef idx="minor"/>
@@ -1557,35 +1683,71 @@
             <a:gd name="adj" fmla="val 16670"/>
           </a:avLst>
         </a:prstGeom>
-        <a:solidFill>
-          <a:schemeClr val="accent1">
-            <a:hueOff val="0"/>
-            <a:satOff val="0"/>
-            <a:lumOff val="0"/>
-            <a:alphaOff val="0"/>
-          </a:schemeClr>
-        </a:solidFill>
-        <a:ln w="25400" cap="flat" cmpd="sng" algn="ctr">
-          <a:solidFill>
-            <a:schemeClr val="lt1">
-              <a:hueOff val="0"/>
-              <a:satOff val="0"/>
-              <a:lumOff val="0"/>
-              <a:alphaOff val="0"/>
-            </a:schemeClr>
-          </a:solidFill>
-          <a:prstDash val="solid"/>
+        <a:gradFill rotWithShape="0">
+          <a:gsLst>
+            <a:gs pos="0">
+              <a:schemeClr val="accent1">
+                <a:hueOff val="0"/>
+                <a:satOff val="0"/>
+                <a:lumOff val="0"/>
+                <a:alphaOff val="0"/>
+                <a:shade val="51000"/>
+                <a:satMod val="130000"/>
+              </a:schemeClr>
+            </a:gs>
+            <a:gs pos="80000">
+              <a:schemeClr val="accent1">
+                <a:hueOff val="0"/>
+                <a:satOff val="0"/>
+                <a:lumOff val="0"/>
+                <a:alphaOff val="0"/>
+                <a:shade val="93000"/>
+                <a:satMod val="130000"/>
+              </a:schemeClr>
+            </a:gs>
+            <a:gs pos="100000">
+              <a:schemeClr val="accent1">
+                <a:hueOff val="0"/>
+                <a:satOff val="0"/>
+                <a:lumOff val="0"/>
+                <a:alphaOff val="0"/>
+                <a:shade val="94000"/>
+                <a:satMod val="135000"/>
+              </a:schemeClr>
+            </a:gs>
+          </a:gsLst>
+          <a:lin ang="16200000" scaled="0"/>
+        </a:gradFill>
+        <a:ln>
+          <a:noFill/>
         </a:ln>
-        <a:effectLst/>
+        <a:effectLst>
+          <a:outerShdw blurRad="40000" dist="23000" dir="5400000" rotWithShape="0">
+            <a:srgbClr val="000000">
+              <a:alpha val="35000"/>
+            </a:srgbClr>
+          </a:outerShdw>
+        </a:effectLst>
+        <a:scene3d>
+          <a:camera prst="orthographicFront">
+            <a:rot lat="0" lon="0" rev="0"/>
+          </a:camera>
+          <a:lightRig rig="threePt" dir="t">
+            <a:rot lat="0" lon="0" rev="1200000"/>
+          </a:lightRig>
+        </a:scene3d>
+        <a:sp3d>
+          <a:bevelT w="63500" h="25400"/>
+        </a:sp3d>
       </dsp:spPr>
       <dsp:style>
-        <a:lnRef idx="2">
+        <a:lnRef idx="0">
           <a:scrgbClr r="0" g="0" b="0"/>
         </a:lnRef>
-        <a:fillRef idx="1">
+        <a:fillRef idx="3">
           <a:scrgbClr r="0" g="0" b="0"/>
         </a:fillRef>
-        <a:effectRef idx="0">
+        <a:effectRef idx="3">
           <a:scrgbClr r="0" g="0" b="0"/>
         </a:effectRef>
         <a:fontRef idx="minor">
@@ -1711,27 +1873,36 @@
             <a:alphaOff val="0"/>
           </a:schemeClr>
         </a:solidFill>
-        <a:ln w="25400" cap="flat" cmpd="sng" algn="ctr">
-          <a:solidFill>
-            <a:schemeClr val="lt1">
-              <a:hueOff val="0"/>
-              <a:satOff val="0"/>
-              <a:lumOff val="0"/>
-              <a:alphaOff val="0"/>
-            </a:schemeClr>
-          </a:solidFill>
-          <a:prstDash val="solid"/>
+        <a:ln>
+          <a:noFill/>
         </a:ln>
-        <a:effectLst/>
+        <a:effectLst>
+          <a:outerShdw blurRad="40000" dist="23000" dir="5400000" rotWithShape="0">
+            <a:srgbClr val="000000">
+              <a:alpha val="35000"/>
+            </a:srgbClr>
+          </a:outerShdw>
+        </a:effectLst>
+        <a:scene3d>
+          <a:camera prst="orthographicFront">
+            <a:rot lat="0" lon="0" rev="0"/>
+          </a:camera>
+          <a:lightRig rig="threePt" dir="t">
+            <a:rot lat="0" lon="0" rev="1200000"/>
+          </a:lightRig>
+        </a:scene3d>
+        <a:sp3d>
+          <a:bevelT w="63500" h="25400"/>
+        </a:sp3d>
       </dsp:spPr>
       <dsp:style>
-        <a:lnRef idx="2">
+        <a:lnRef idx="0">
           <a:scrgbClr r="0" g="0" b="0"/>
         </a:lnRef>
         <a:fillRef idx="1">
           <a:scrgbClr r="0" g="0" b="0"/>
         </a:fillRef>
-        <a:effectRef idx="0">
+        <a:effectRef idx="3">
           <a:scrgbClr r="0" g="0" b="0"/>
         </a:effectRef>
         <a:fontRef idx="minor"/>
@@ -1752,35 +1923,71 @@
             <a:gd name="adj" fmla="val 16670"/>
           </a:avLst>
         </a:prstGeom>
-        <a:solidFill>
-          <a:schemeClr val="accent1">
-            <a:hueOff val="0"/>
-            <a:satOff val="0"/>
-            <a:lumOff val="0"/>
-            <a:alphaOff val="0"/>
-          </a:schemeClr>
-        </a:solidFill>
-        <a:ln w="25400" cap="flat" cmpd="sng" algn="ctr">
-          <a:solidFill>
-            <a:schemeClr val="lt1">
-              <a:hueOff val="0"/>
-              <a:satOff val="0"/>
-              <a:lumOff val="0"/>
-              <a:alphaOff val="0"/>
-            </a:schemeClr>
-          </a:solidFill>
-          <a:prstDash val="solid"/>
+        <a:gradFill rotWithShape="0">
+          <a:gsLst>
+            <a:gs pos="0">
+              <a:schemeClr val="accent1">
+                <a:hueOff val="0"/>
+                <a:satOff val="0"/>
+                <a:lumOff val="0"/>
+                <a:alphaOff val="0"/>
+                <a:shade val="51000"/>
+                <a:satMod val="130000"/>
+              </a:schemeClr>
+            </a:gs>
+            <a:gs pos="80000">
+              <a:schemeClr val="accent1">
+                <a:hueOff val="0"/>
+                <a:satOff val="0"/>
+                <a:lumOff val="0"/>
+                <a:alphaOff val="0"/>
+                <a:shade val="93000"/>
+                <a:satMod val="130000"/>
+              </a:schemeClr>
+            </a:gs>
+            <a:gs pos="100000">
+              <a:schemeClr val="accent1">
+                <a:hueOff val="0"/>
+                <a:satOff val="0"/>
+                <a:lumOff val="0"/>
+                <a:alphaOff val="0"/>
+                <a:shade val="94000"/>
+                <a:satMod val="135000"/>
+              </a:schemeClr>
+            </a:gs>
+          </a:gsLst>
+          <a:lin ang="16200000" scaled="0"/>
+        </a:gradFill>
+        <a:ln>
+          <a:noFill/>
         </a:ln>
-        <a:effectLst/>
+        <a:effectLst>
+          <a:outerShdw blurRad="40000" dist="23000" dir="5400000" rotWithShape="0">
+            <a:srgbClr val="000000">
+              <a:alpha val="35000"/>
+            </a:srgbClr>
+          </a:outerShdw>
+        </a:effectLst>
+        <a:scene3d>
+          <a:camera prst="orthographicFront">
+            <a:rot lat="0" lon="0" rev="0"/>
+          </a:camera>
+          <a:lightRig rig="threePt" dir="t">
+            <a:rot lat="0" lon="0" rev="1200000"/>
+          </a:lightRig>
+        </a:scene3d>
+        <a:sp3d>
+          <a:bevelT w="63500" h="25400"/>
+        </a:sp3d>
       </dsp:spPr>
       <dsp:style>
-        <a:lnRef idx="2">
+        <a:lnRef idx="0">
           <a:scrgbClr r="0" g="0" b="0"/>
         </a:lnRef>
-        <a:fillRef idx="1">
+        <a:fillRef idx="3">
           <a:scrgbClr r="0" g="0" b="0"/>
         </a:fillRef>
-        <a:effectRef idx="0">
+        <a:effectRef idx="3">
           <a:scrgbClr r="0" g="0" b="0"/>
         </a:effectRef>
         <a:fontRef idx="minor">
@@ -1867,35 +2074,71 @@
             <a:gd name="adj" fmla="val 16670"/>
           </a:avLst>
         </a:prstGeom>
-        <a:solidFill>
-          <a:schemeClr val="accent1">
-            <a:hueOff val="0"/>
-            <a:satOff val="0"/>
-            <a:lumOff val="0"/>
-            <a:alphaOff val="0"/>
-          </a:schemeClr>
-        </a:solidFill>
-        <a:ln w="25400" cap="flat" cmpd="sng" algn="ctr">
-          <a:solidFill>
-            <a:schemeClr val="lt1">
-              <a:hueOff val="0"/>
-              <a:satOff val="0"/>
-              <a:lumOff val="0"/>
-              <a:alphaOff val="0"/>
-            </a:schemeClr>
-          </a:solidFill>
-          <a:prstDash val="solid"/>
+        <a:gradFill rotWithShape="0">
+          <a:gsLst>
+            <a:gs pos="0">
+              <a:schemeClr val="accent1">
+                <a:hueOff val="0"/>
+                <a:satOff val="0"/>
+                <a:lumOff val="0"/>
+                <a:alphaOff val="0"/>
+                <a:shade val="51000"/>
+                <a:satMod val="130000"/>
+              </a:schemeClr>
+            </a:gs>
+            <a:gs pos="80000">
+              <a:schemeClr val="accent1">
+                <a:hueOff val="0"/>
+                <a:satOff val="0"/>
+                <a:lumOff val="0"/>
+                <a:alphaOff val="0"/>
+                <a:shade val="93000"/>
+                <a:satMod val="130000"/>
+              </a:schemeClr>
+            </a:gs>
+            <a:gs pos="100000">
+              <a:schemeClr val="accent1">
+                <a:hueOff val="0"/>
+                <a:satOff val="0"/>
+                <a:lumOff val="0"/>
+                <a:alphaOff val="0"/>
+                <a:shade val="94000"/>
+                <a:satMod val="135000"/>
+              </a:schemeClr>
+            </a:gs>
+          </a:gsLst>
+          <a:lin ang="16200000" scaled="0"/>
+        </a:gradFill>
+        <a:ln>
+          <a:noFill/>
         </a:ln>
-        <a:effectLst/>
+        <a:effectLst>
+          <a:outerShdw blurRad="40000" dist="23000" dir="5400000" rotWithShape="0">
+            <a:srgbClr val="000000">
+              <a:alpha val="35000"/>
+            </a:srgbClr>
+          </a:outerShdw>
+        </a:effectLst>
+        <a:scene3d>
+          <a:camera prst="orthographicFront">
+            <a:rot lat="0" lon="0" rev="0"/>
+          </a:camera>
+          <a:lightRig rig="threePt" dir="t">
+            <a:rot lat="0" lon="0" rev="1200000"/>
+          </a:lightRig>
+        </a:scene3d>
+        <a:sp3d>
+          <a:bevelT w="63500" h="25400"/>
+        </a:sp3d>
       </dsp:spPr>
       <dsp:style>
-        <a:lnRef idx="2">
+        <a:lnRef idx="0">
           <a:scrgbClr r="0" g="0" b="0"/>
         </a:lnRef>
-        <a:fillRef idx="1">
+        <a:fillRef idx="3">
           <a:scrgbClr r="0" g="0" b="0"/>
         </a:fillRef>
-        <a:effectRef idx="0">
+        <a:effectRef idx="3">
           <a:scrgbClr r="0" g="0" b="0"/>
         </a:effectRef>
         <a:fontRef idx="minor">
@@ -2262,11 +2505,11 @@
 </file>
 
 <file path=ppt/diagrams/quickStyle1.xml><?xml version="1.0" encoding="utf-8"?>
-<dgm:styleDef xmlns:dgm="http://schemas.openxmlformats.org/drawingml/2006/diagram" xmlns:a="http://schemas.openxmlformats.org/drawingml/2006/main" uniqueId="urn:microsoft.com/office/officeart/2005/8/quickstyle/simple1">
+<dgm:styleDef xmlns:dgm="http://schemas.openxmlformats.org/drawingml/2006/diagram" xmlns:a="http://schemas.openxmlformats.org/drawingml/2006/main" uniqueId="urn:microsoft.com/office/officeart/2005/8/quickstyle/simple5">
   <dgm:title val=""/>
   <dgm:desc val=""/>
   <dgm:catLst>
-    <dgm:cat type="simple" pri="10100"/>
+    <dgm:cat type="simple" pri="10500"/>
   </dgm:catLst>
   <dgm:scene3d>
     <a:camera prst="orthographicFront"/>
@@ -2280,13 +2523,13 @@
     <dgm:sp3d/>
     <dgm:txPr/>
     <dgm:style>
-      <a:lnRef idx="2">
+      <a:lnRef idx="0">
         <a:scrgbClr r="0" g="0" b="0"/>
       </a:lnRef>
-      <a:fillRef idx="1">
+      <a:fillRef idx="3">
         <a:scrgbClr r="0" g="0" b="0"/>
       </a:fillRef>
-      <a:effectRef idx="0">
+      <a:effectRef idx="3">
         <a:scrgbClr r="0" g="0" b="0"/>
       </a:effectRef>
       <a:fontRef idx="minor">
@@ -2302,13 +2545,13 @@
     <dgm:sp3d/>
     <dgm:txPr/>
     <dgm:style>
-      <a:lnRef idx="2">
+      <a:lnRef idx="0">
         <a:scrgbClr r="0" g="0" b="0"/>
       </a:lnRef>
-      <a:fillRef idx="1">
+      <a:fillRef idx="3">
         <a:scrgbClr r="0" g="0" b="0"/>
       </a:fillRef>
-      <a:effectRef idx="0">
+      <a:effectRef idx="3">
         <a:scrgbClr r="0" g="0" b="0"/>
       </a:effectRef>
       <a:fontRef idx="minor">
@@ -2324,13 +2567,13 @@
     <dgm:sp3d/>
     <dgm:txPr/>
     <dgm:style>
-      <a:lnRef idx="2">
+      <a:lnRef idx="0">
         <a:scrgbClr r="0" g="0" b="0"/>
       </a:lnRef>
-      <a:fillRef idx="1">
+      <a:fillRef idx="3">
         <a:scrgbClr r="0" g="0" b="0"/>
       </a:fillRef>
-      <a:effectRef idx="0">
+      <a:effectRef idx="3">
         <a:scrgbClr r="0" g="0" b="0"/>
       </a:effectRef>
       <a:fontRef idx="minor">
@@ -2346,13 +2589,13 @@
     <dgm:sp3d/>
     <dgm:txPr/>
     <dgm:style>
-      <a:lnRef idx="2">
+      <a:lnRef idx="1">
         <a:scrgbClr r="0" g="0" b="0"/>
       </a:lnRef>
-      <a:fillRef idx="1">
+      <a:fillRef idx="3">
         <a:scrgbClr r="0" g="0" b="0"/>
       </a:fillRef>
-      <a:effectRef idx="0">
+      <a:effectRef idx="3">
         <a:scrgbClr r="0" g="0" b="0"/>
       </a:effectRef>
       <a:fontRef idx="minor">
@@ -2368,13 +2611,13 @@
     <dgm:sp3d/>
     <dgm:txPr/>
     <dgm:style>
-      <a:lnRef idx="2">
+      <a:lnRef idx="0">
         <a:scrgbClr r="0" g="0" b="0"/>
       </a:lnRef>
-      <a:fillRef idx="1">
+      <a:fillRef idx="3">
         <a:scrgbClr r="0" g="0" b="0"/>
       </a:fillRef>
-      <a:effectRef idx="0">
+      <a:effectRef idx="3">
         <a:scrgbClr r="0" g="0" b="0"/>
       </a:effectRef>
       <a:fontRef idx="minor">
@@ -2390,13 +2633,13 @@
     <dgm:sp3d/>
     <dgm:txPr/>
     <dgm:style>
-      <a:lnRef idx="2">
+      <a:lnRef idx="0">
         <a:scrgbClr r="0" g="0" b="0"/>
       </a:lnRef>
-      <a:fillRef idx="1">
+      <a:fillRef idx="3">
         <a:scrgbClr r="0" g="0" b="0"/>
       </a:fillRef>
-      <a:effectRef idx="0">
+      <a:effectRef idx="3">
         <a:scrgbClr r="0" g="0" b="0"/>
       </a:effectRef>
       <a:fontRef idx="minor">
@@ -2412,13 +2655,13 @@
     <dgm:sp3d/>
     <dgm:txPr/>
     <dgm:style>
-      <a:lnRef idx="2">
+      <a:lnRef idx="0">
         <a:scrgbClr r="0" g="0" b="0"/>
       </a:lnRef>
-      <a:fillRef idx="1">
+      <a:fillRef idx="3">
         <a:scrgbClr r="0" g="0" b="0"/>
       </a:fillRef>
-      <a:effectRef idx="0">
+      <a:effectRef idx="3">
         <a:scrgbClr r="0" g="0" b="0"/>
       </a:effectRef>
       <a:fontRef idx="minor">
@@ -2434,13 +2677,13 @@
     <dgm:sp3d/>
     <dgm:txPr/>
     <dgm:style>
-      <a:lnRef idx="2">
+      <a:lnRef idx="0">
         <a:scrgbClr r="0" g="0" b="0"/>
       </a:lnRef>
-      <a:fillRef idx="1">
+      <a:fillRef idx="3">
         <a:scrgbClr r="0" g="0" b="0"/>
       </a:fillRef>
-      <a:effectRef idx="0">
+      <a:effectRef idx="3">
         <a:scrgbClr r="0" g="0" b="0"/>
       </a:effectRef>
       <a:fontRef idx="minor">
@@ -2456,13 +2699,13 @@
     <dgm:sp3d/>
     <dgm:txPr/>
     <dgm:style>
-      <a:lnRef idx="2">
+      <a:lnRef idx="0">
         <a:scrgbClr r="0" g="0" b="0"/>
       </a:lnRef>
       <a:fillRef idx="1">
         <a:scrgbClr r="0" g="0" b="0"/>
       </a:fillRef>
-      <a:effectRef idx="0">
+      <a:effectRef idx="3">
         <a:scrgbClr r="0" g="0" b="0"/>
       </a:effectRef>
       <a:fontRef idx="minor"/>
@@ -2476,13 +2719,13 @@
     <dgm:sp3d/>
     <dgm:txPr/>
     <dgm:style>
-      <a:lnRef idx="2">
+      <a:lnRef idx="0">
         <a:scrgbClr r="0" g="0" b="0"/>
       </a:lnRef>
       <a:fillRef idx="1">
         <a:scrgbClr r="0" g="0" b="0"/>
       </a:fillRef>
-      <a:effectRef idx="0">
+      <a:effectRef idx="3">
         <a:scrgbClr r="0" g="0" b="0"/>
       </a:effectRef>
       <a:fontRef idx="minor"/>
@@ -2496,13 +2739,13 @@
     <dgm:sp3d/>
     <dgm:txPr/>
     <dgm:style>
-      <a:lnRef idx="2">
+      <a:lnRef idx="0">
         <a:scrgbClr r="0" g="0" b="0"/>
       </a:lnRef>
       <a:fillRef idx="1">
         <a:scrgbClr r="0" g="0" b="0"/>
       </a:fillRef>
-      <a:effectRef idx="0">
+      <a:effectRef idx="3">
         <a:scrgbClr r="0" g="0" b="0"/>
       </a:effectRef>
       <a:fontRef idx="minor"/>
@@ -2519,10 +2762,10 @@
       <a:lnRef idx="0">
         <a:scrgbClr r="0" g="0" b="0"/>
       </a:lnRef>
-      <a:fillRef idx="1">
+      <a:fillRef idx="3">
         <a:scrgbClr r="0" g="0" b="0"/>
       </a:fillRef>
-      <a:effectRef idx="0">
+      <a:effectRef idx="3">
         <a:scrgbClr r="0" g="0" b="0"/>
       </a:effectRef>
       <a:fontRef idx="minor">
@@ -2541,10 +2784,10 @@
       <a:lnRef idx="0">
         <a:scrgbClr r="0" g="0" b="0"/>
       </a:lnRef>
-      <a:fillRef idx="1">
+      <a:fillRef idx="3">
         <a:scrgbClr r="0" g="0" b="0"/>
       </a:fillRef>
-      <a:effectRef idx="0">
+      <a:effectRef idx="3">
         <a:scrgbClr r="0" g="0" b="0"/>
       </a:effectRef>
       <a:fontRef idx="minor">
@@ -2563,10 +2806,10 @@
       <a:lnRef idx="0">
         <a:scrgbClr r="0" g="0" b="0"/>
       </a:lnRef>
-      <a:fillRef idx="1">
+      <a:fillRef idx="3">
         <a:scrgbClr r="0" g="0" b="0"/>
       </a:fillRef>
-      <a:effectRef idx="0">
+      <a:effectRef idx="3">
         <a:scrgbClr r="0" g="0" b="0"/>
       </a:effectRef>
       <a:fontRef idx="minor">
@@ -2602,13 +2845,13 @@
     <dgm:sp3d/>
     <dgm:txPr/>
     <dgm:style>
-      <a:lnRef idx="2">
+      <a:lnRef idx="1">
         <a:scrgbClr r="0" g="0" b="0"/>
       </a:lnRef>
-      <a:fillRef idx="1">
+      <a:fillRef idx="0">
         <a:scrgbClr r="0" g="0" b="0"/>
       </a:fillRef>
-      <a:effectRef idx="0">
+      <a:effectRef idx="1">
         <a:scrgbClr r="0" g="0" b="0"/>
       </a:effectRef>
       <a:fontRef idx="minor"/>
@@ -2622,13 +2865,13 @@
     <dgm:sp3d/>
     <dgm:txPr/>
     <dgm:style>
-      <a:lnRef idx="2">
+      <a:lnRef idx="0">
         <a:scrgbClr r="0" g="0" b="0"/>
       </a:lnRef>
-      <a:fillRef idx="1">
+      <a:fillRef idx="3">
         <a:scrgbClr r="0" g="0" b="0"/>
       </a:fillRef>
-      <a:effectRef idx="0">
+      <a:effectRef idx="3">
         <a:scrgbClr r="0" g="0" b="0"/>
       </a:effectRef>
       <a:fontRef idx="minor">
@@ -2644,13 +2887,13 @@
     <dgm:sp3d/>
     <dgm:txPr/>
     <dgm:style>
-      <a:lnRef idx="2">
+      <a:lnRef idx="0">
         <a:scrgbClr r="0" g="0" b="0"/>
       </a:lnRef>
-      <a:fillRef idx="1">
+      <a:fillRef idx="3">
         <a:scrgbClr r="0" g="0" b="0"/>
       </a:fillRef>
-      <a:effectRef idx="0">
+      <a:effectRef idx="3">
         <a:scrgbClr r="0" g="0" b="0"/>
       </a:effectRef>
       <a:fontRef idx="minor">
@@ -2666,13 +2909,13 @@
     <dgm:sp3d/>
     <dgm:txPr/>
     <dgm:style>
-      <a:lnRef idx="2">
+      <a:lnRef idx="0">
         <a:scrgbClr r="0" g="0" b="0"/>
       </a:lnRef>
-      <a:fillRef idx="1">
+      <a:fillRef idx="3">
         <a:scrgbClr r="0" g="0" b="0"/>
       </a:fillRef>
-      <a:effectRef idx="0">
+      <a:effectRef idx="3">
         <a:scrgbClr r="0" g="0" b="0"/>
       </a:effectRef>
       <a:fontRef idx="minor">
@@ -2688,13 +2931,13 @@
     <dgm:sp3d/>
     <dgm:txPr/>
     <dgm:style>
-      <a:lnRef idx="2">
+      <a:lnRef idx="0">
         <a:scrgbClr r="0" g="0" b="0"/>
       </a:lnRef>
-      <a:fillRef idx="1">
+      <a:fillRef idx="3">
         <a:scrgbClr r="0" g="0" b="0"/>
       </a:fillRef>
-      <a:effectRef idx="0">
+      <a:effectRef idx="3">
         <a:scrgbClr r="0" g="0" b="0"/>
       </a:effectRef>
       <a:fontRef idx="minor">
@@ -2710,13 +2953,13 @@
     <dgm:sp3d/>
     <dgm:txPr/>
     <dgm:style>
-      <a:lnRef idx="2">
+      <a:lnRef idx="0">
         <a:scrgbClr r="0" g="0" b="0"/>
       </a:lnRef>
-      <a:fillRef idx="1">
+      <a:fillRef idx="3">
         <a:scrgbClr r="0" g="0" b="0"/>
       </a:fillRef>
-      <a:effectRef idx="0">
+      <a:effectRef idx="3">
         <a:scrgbClr r="0" g="0" b="0"/>
       </a:effectRef>
       <a:fontRef idx="minor">
@@ -2732,13 +2975,13 @@
     <dgm:sp3d/>
     <dgm:txPr/>
     <dgm:style>
-      <a:lnRef idx="2">
+      <a:lnRef idx="0">
         <a:scrgbClr r="0" g="0" b="0"/>
       </a:lnRef>
-      <a:fillRef idx="1">
+      <a:fillRef idx="3">
         <a:scrgbClr r="0" g="0" b="0"/>
       </a:fillRef>
-      <a:effectRef idx="0">
+      <a:effectRef idx="3">
         <a:scrgbClr r="0" g="0" b="0"/>
       </a:effectRef>
       <a:fontRef idx="minor">
@@ -2754,13 +2997,13 @@
     <dgm:sp3d/>
     <dgm:txPr/>
     <dgm:style>
-      <a:lnRef idx="2">
+      <a:lnRef idx="0">
         <a:scrgbClr r="0" g="0" b="0"/>
       </a:lnRef>
-      <a:fillRef idx="1">
+      <a:fillRef idx="3">
         <a:scrgbClr r="0" g="0" b="0"/>
       </a:fillRef>
-      <a:effectRef idx="0">
+      <a:effectRef idx="3">
         <a:scrgbClr r="0" g="0" b="0"/>
       </a:effectRef>
       <a:fontRef idx="minor">
@@ -2776,13 +3019,13 @@
     <dgm:sp3d/>
     <dgm:txPr/>
     <dgm:style>
-      <a:lnRef idx="2">
+      <a:lnRef idx="0">
         <a:scrgbClr r="0" g="0" b="0"/>
       </a:lnRef>
-      <a:fillRef idx="1">
+      <a:fillRef idx="3">
         <a:scrgbClr r="0" g="0" b="0"/>
       </a:fillRef>
-      <a:effectRef idx="0">
+      <a:effectRef idx="3">
         <a:scrgbClr r="0" g="0" b="0"/>
       </a:effectRef>
       <a:fontRef idx="minor">
@@ -2798,13 +3041,13 @@
     <dgm:sp3d/>
     <dgm:txPr/>
     <dgm:style>
-      <a:lnRef idx="2">
+      <a:lnRef idx="0">
         <a:scrgbClr r="0" g="0" b="0"/>
       </a:lnRef>
-      <a:fillRef idx="1">
+      <a:fillRef idx="3">
         <a:scrgbClr r="0" g="0" b="0"/>
       </a:fillRef>
-      <a:effectRef idx="0">
+      <a:effectRef idx="3">
         <a:scrgbClr r="0" g="0" b="0"/>
       </a:effectRef>
       <a:fontRef idx="minor">
@@ -2900,13 +3143,13 @@
     <dgm:sp3d/>
     <dgm:txPr/>
     <dgm:style>
-      <a:lnRef idx="2">
+      <a:lnRef idx="1">
         <a:scrgbClr r="0" g="0" b="0"/>
       </a:lnRef>
       <a:fillRef idx="1">
         <a:scrgbClr r="0" g="0" b="0"/>
       </a:fillRef>
-      <a:effectRef idx="0">
+      <a:effectRef idx="2">
         <a:scrgbClr r="0" g="0" b="0"/>
       </a:effectRef>
       <a:fontRef idx="minor"/>
@@ -2920,13 +3163,13 @@
     <dgm:sp3d/>
     <dgm:txPr/>
     <dgm:style>
-      <a:lnRef idx="2">
+      <a:lnRef idx="1">
         <a:scrgbClr r="0" g="0" b="0"/>
       </a:lnRef>
       <a:fillRef idx="1">
         <a:scrgbClr r="0" g="0" b="0"/>
       </a:fillRef>
-      <a:effectRef idx="0">
+      <a:effectRef idx="2">
         <a:scrgbClr r="0" g="0" b="0"/>
       </a:effectRef>
       <a:fontRef idx="minor"/>
@@ -2940,13 +3183,13 @@
     <dgm:sp3d/>
     <dgm:txPr/>
     <dgm:style>
-      <a:lnRef idx="2">
+      <a:lnRef idx="1">
         <a:scrgbClr r="0" g="0" b="0"/>
       </a:lnRef>
       <a:fillRef idx="1">
         <a:scrgbClr r="0" g="0" b="0"/>
       </a:fillRef>
-      <a:effectRef idx="0">
+      <a:effectRef idx="2">
         <a:scrgbClr r="0" g="0" b="0"/>
       </a:effectRef>
       <a:fontRef idx="minor"/>
@@ -2980,13 +3223,13 @@
     <dgm:sp3d/>
     <dgm:txPr/>
     <dgm:style>
-      <a:lnRef idx="2">
+      <a:lnRef idx="1">
         <a:scrgbClr r="0" g="0" b="0"/>
       </a:lnRef>
       <a:fillRef idx="1">
         <a:scrgbClr r="0" g="0" b="0"/>
       </a:fillRef>
-      <a:effectRef idx="0">
+      <a:effectRef idx="2">
         <a:scrgbClr r="0" g="0" b="0"/>
       </a:effectRef>
       <a:fontRef idx="minor"/>
@@ -3000,13 +3243,13 @@
     <dgm:sp3d/>
     <dgm:txPr/>
     <dgm:style>
-      <a:lnRef idx="2">
+      <a:lnRef idx="1">
         <a:scrgbClr r="0" g="0" b="0"/>
       </a:lnRef>
       <a:fillRef idx="1">
         <a:scrgbClr r="0" g="0" b="0"/>
       </a:fillRef>
-      <a:effectRef idx="0">
+      <a:effectRef idx="2">
         <a:scrgbClr r="0" g="0" b="0"/>
       </a:effectRef>
       <a:fontRef idx="minor"/>
@@ -3020,13 +3263,13 @@
     <dgm:sp3d/>
     <dgm:txPr/>
     <dgm:style>
-      <a:lnRef idx="2">
+      <a:lnRef idx="1">
         <a:scrgbClr r="0" g="0" b="0"/>
       </a:lnRef>
       <a:fillRef idx="1">
         <a:scrgbClr r="0" g="0" b="0"/>
       </a:fillRef>
-      <a:effectRef idx="0">
+      <a:effectRef idx="3">
         <a:scrgbClr r="0" g="0" b="0"/>
       </a:effectRef>
       <a:fontRef idx="minor"/>
@@ -3040,13 +3283,13 @@
     <dgm:sp3d/>
     <dgm:txPr/>
     <dgm:style>
-      <a:lnRef idx="2">
+      <a:lnRef idx="1">
         <a:scrgbClr r="0" g="0" b="0"/>
       </a:lnRef>
       <a:fillRef idx="1">
         <a:scrgbClr r="0" g="0" b="0"/>
       </a:fillRef>
-      <a:effectRef idx="0">
+      <a:effectRef idx="3">
         <a:scrgbClr r="0" g="0" b="0"/>
       </a:effectRef>
       <a:fontRef idx="minor"/>
@@ -3060,13 +3303,13 @@
     <dgm:sp3d/>
     <dgm:txPr/>
     <dgm:style>
-      <a:lnRef idx="2">
+      <a:lnRef idx="1">
         <a:scrgbClr r="0" g="0" b="0"/>
       </a:lnRef>
       <a:fillRef idx="1">
         <a:scrgbClr r="0" g="0" b="0"/>
       </a:fillRef>
-      <a:effectRef idx="0">
+      <a:effectRef idx="2">
         <a:scrgbClr r="0" g="0" b="0"/>
       </a:effectRef>
       <a:fontRef idx="minor"/>
@@ -3080,13 +3323,13 @@
     <dgm:sp3d/>
     <dgm:txPr/>
     <dgm:style>
-      <a:lnRef idx="2">
+      <a:lnRef idx="1">
         <a:scrgbClr r="0" g="0" b="0"/>
       </a:lnRef>
       <a:fillRef idx="1">
         <a:scrgbClr r="0" g="0" b="0"/>
       </a:fillRef>
-      <a:effectRef idx="0">
+      <a:effectRef idx="2">
         <a:scrgbClr r="0" g="0" b="0"/>
       </a:effectRef>
       <a:fontRef idx="minor"/>
@@ -3100,13 +3343,13 @@
     <dgm:sp3d/>
     <dgm:txPr/>
     <dgm:style>
-      <a:lnRef idx="2">
+      <a:lnRef idx="1">
         <a:scrgbClr r="0" g="0" b="0"/>
       </a:lnRef>
       <a:fillRef idx="1">
         <a:scrgbClr r="0" g="0" b="0"/>
       </a:fillRef>
-      <a:effectRef idx="0">
+      <a:effectRef idx="2">
         <a:scrgbClr r="0" g="0" b="0"/>
       </a:effectRef>
       <a:fontRef idx="minor"/>
@@ -3120,13 +3363,13 @@
     <dgm:sp3d/>
     <dgm:txPr/>
     <dgm:style>
-      <a:lnRef idx="2">
+      <a:lnRef idx="1">
         <a:scrgbClr r="0" g="0" b="0"/>
       </a:lnRef>
       <a:fillRef idx="1">
         <a:scrgbClr r="0" g="0" b="0"/>
       </a:fillRef>
-      <a:effectRef idx="0">
+      <a:effectRef idx="2">
         <a:scrgbClr r="0" g="0" b="0"/>
       </a:effectRef>
       <a:fontRef idx="minor"/>
@@ -3140,13 +3383,13 @@
     <dgm:sp3d/>
     <dgm:txPr/>
     <dgm:style>
-      <a:lnRef idx="2">
+      <a:lnRef idx="1">
         <a:scrgbClr r="0" g="0" b="0"/>
       </a:lnRef>
       <a:fillRef idx="1">
         <a:scrgbClr r="0" g="0" b="0"/>
       </a:fillRef>
-      <a:effectRef idx="0">
+      <a:effectRef idx="2">
         <a:scrgbClr r="0" g="0" b="0"/>
       </a:effectRef>
       <a:fontRef idx="minor"/>
@@ -3160,13 +3403,13 @@
     <dgm:sp3d/>
     <dgm:txPr/>
     <dgm:style>
-      <a:lnRef idx="2">
+      <a:lnRef idx="1">
         <a:scrgbClr r="0" g="0" b="0"/>
       </a:lnRef>
       <a:fillRef idx="1">
         <a:scrgbClr r="0" g="0" b="0"/>
       </a:fillRef>
-      <a:effectRef idx="0">
+      <a:effectRef idx="2">
         <a:scrgbClr r="0" g="0" b="0"/>
       </a:effectRef>
       <a:fontRef idx="minor"/>
@@ -3180,13 +3423,13 @@
     <dgm:sp3d/>
     <dgm:txPr/>
     <dgm:style>
-      <a:lnRef idx="2">
+      <a:lnRef idx="1">
         <a:scrgbClr r="0" g="0" b="0"/>
       </a:lnRef>
       <a:fillRef idx="1">
         <a:scrgbClr r="0" g="0" b="0"/>
       </a:fillRef>
-      <a:effectRef idx="0">
+      <a:effectRef idx="2">
         <a:scrgbClr r="0" g="0" b="0"/>
       </a:effectRef>
       <a:fontRef idx="minor"/>
@@ -3206,7 +3449,7 @@
       <a:fillRef idx="1">
         <a:scrgbClr r="0" g="0" b="0"/>
       </a:fillRef>
-      <a:effectRef idx="0">
+      <a:effectRef idx="2">
         <a:scrgbClr r="0" g="0" b="0"/>
       </a:effectRef>
       <a:fontRef idx="minor"/>
@@ -3226,7 +3469,7 @@
       <a:fillRef idx="1">
         <a:scrgbClr r="0" g="0" b="0"/>
       </a:fillRef>
-      <a:effectRef idx="0">
+      <a:effectRef idx="3">
         <a:scrgbClr r="0" g="0" b="0"/>
       </a:effectRef>
       <a:fontRef idx="minor"/>
@@ -3260,13 +3503,13 @@
     <dgm:sp3d/>
     <dgm:txPr/>
     <dgm:style>
-      <a:lnRef idx="2">
+      <a:lnRef idx="0">
         <a:scrgbClr r="0" g="0" b="0"/>
       </a:lnRef>
-      <a:fillRef idx="1">
+      <a:fillRef idx="3">
         <a:scrgbClr r="0" g="0" b="0"/>
       </a:fillRef>
-      <a:effectRef idx="0">
+      <a:effectRef idx="3">
         <a:scrgbClr r="0" g="0" b="0"/>
       </a:effectRef>
       <a:fontRef idx="minor"/>
@@ -3377,7 +3620,7 @@
           <a:p>
             <a:fld id="{96C19B55-37FC-4427-82AC-FBA3F7D4FC0A}" type="datetimeFigureOut">
               <a:rPr lang="fr-FR" smtClean="0"/>
-              <a:t>12/09/2012</a:t>
+              <a:t>14/09/2012</a:t>
             </a:fld>
             <a:endParaRPr lang="fr-FR"/>
           </a:p>
@@ -3857,7 +4100,7 @@
           <a:p>
             <a:fld id="{AA309A6D-C09C-4548-B29A-6CF363A7E532}" type="datetimeFigureOut">
               <a:rPr lang="fr-FR" smtClean="0"/>
-              <a:t>12/09/2012</a:t>
+              <a:t>14/09/2012</a:t>
             </a:fld>
             <a:endParaRPr lang="fr-BE"/>
           </a:p>
@@ -4034,7 +4277,7 @@
           <a:p>
             <a:fld id="{AA309A6D-C09C-4548-B29A-6CF363A7E532}" type="datetimeFigureOut">
               <a:rPr lang="fr-FR" smtClean="0"/>
-              <a:t>12/09/2012</a:t>
+              <a:t>14/09/2012</a:t>
             </a:fld>
             <a:endParaRPr lang="fr-BE"/>
           </a:p>
@@ -4221,7 +4464,7 @@
           <a:p>
             <a:fld id="{AA309A6D-C09C-4548-B29A-6CF363A7E532}" type="datetimeFigureOut">
               <a:rPr lang="fr-FR" smtClean="0"/>
-              <a:t>12/09/2012</a:t>
+              <a:t>14/09/2012</a:t>
             </a:fld>
             <a:endParaRPr lang="fr-BE"/>
           </a:p>
@@ -6216,7 +6459,7 @@
           <a:p>
             <a:fld id="{AA309A6D-C09C-4548-B29A-6CF363A7E532}" type="datetimeFigureOut">
               <a:rPr lang="fr-FR" smtClean="0"/>
-              <a:t>12/09/2012</a:t>
+              <a:t>14/09/2012</a:t>
             </a:fld>
             <a:endParaRPr lang="fr-BE"/>
           </a:p>
@@ -8584,7 +8827,7 @@
           <a:p>
             <a:fld id="{AA309A6D-C09C-4548-B29A-6CF363A7E532}" type="datetimeFigureOut">
               <a:rPr lang="fr-FR" smtClean="0"/>
-              <a:t>12/09/2012</a:t>
+              <a:t>14/09/2012</a:t>
             </a:fld>
             <a:endParaRPr lang="fr-BE"/>
           </a:p>
@@ -9714,7 +9957,7 @@
           <a:p>
             <a:fld id="{AA309A6D-C09C-4548-B29A-6CF363A7E532}" type="datetimeFigureOut">
               <a:rPr lang="fr-FR" smtClean="0"/>
-              <a:t>12/09/2012</a:t>
+              <a:t>14/09/2012</a:t>
             </a:fld>
             <a:endParaRPr lang="fr-BE"/>
           </a:p>
@@ -10148,7 +10391,7 @@
           <a:p>
             <a:fld id="{AA309A6D-C09C-4548-B29A-6CF363A7E532}" type="datetimeFigureOut">
               <a:rPr lang="fr-FR" smtClean="0"/>
-              <a:t>12/09/2012</a:t>
+              <a:t>14/09/2012</a:t>
             </a:fld>
             <a:endParaRPr lang="fr-BE"/>
           </a:p>
@@ -10273,7 +10516,7 @@
           <a:p>
             <a:fld id="{AA309A6D-C09C-4548-B29A-6CF363A7E532}" type="datetimeFigureOut">
               <a:rPr lang="fr-FR" smtClean="0"/>
-              <a:t>12/09/2012</a:t>
+              <a:t>14/09/2012</a:t>
             </a:fld>
             <a:endParaRPr lang="fr-BE"/>
           </a:p>
@@ -10375,7 +10618,7 @@
           <a:p>
             <a:fld id="{AA309A6D-C09C-4548-B29A-6CF363A7E532}" type="datetimeFigureOut">
               <a:rPr lang="fr-FR" smtClean="0"/>
-              <a:t>12/09/2012</a:t>
+              <a:t>14/09/2012</a:t>
             </a:fld>
             <a:endParaRPr lang="fr-BE"/>
           </a:p>
@@ -10659,7 +10902,7 @@
           <a:p>
             <a:fld id="{AA309A6D-C09C-4548-B29A-6CF363A7E532}" type="datetimeFigureOut">
               <a:rPr lang="fr-FR" smtClean="0"/>
-              <a:t>12/09/2012</a:t>
+              <a:t>14/09/2012</a:t>
             </a:fld>
             <a:endParaRPr lang="fr-BE"/>
           </a:p>
@@ -10923,7 +11166,7 @@
           <a:p>
             <a:fld id="{AA309A6D-C09C-4548-B29A-6CF363A7E532}" type="datetimeFigureOut">
               <a:rPr lang="fr-FR" smtClean="0"/>
-              <a:t>12/09/2012</a:t>
+              <a:t>14/09/2012</a:t>
             </a:fld>
             <a:endParaRPr lang="fr-BE"/>
           </a:p>
@@ -11177,7 +11420,7 @@
           <a:p>
             <a:fld id="{AA309A6D-C09C-4548-B29A-6CF363A7E532}" type="datetimeFigureOut">
               <a:rPr lang="fr-FR" smtClean="0"/>
-              <a:t>12/09/2012</a:t>
+              <a:t>14/09/2012</a:t>
             </a:fld>
             <a:endParaRPr lang="fr-BE"/>
           </a:p>
@@ -12794,7 +13037,7 @@
           <a:p>
             <a:fld id="{AA309A6D-C09C-4548-B29A-6CF363A7E532}" type="datetimeFigureOut">
               <a:rPr lang="fr-FR" smtClean="0"/>
-              <a:t>12/09/2012</a:t>
+              <a:t>14/09/2012</a:t>
             </a:fld>
             <a:endParaRPr lang="fr-BE"/>
           </a:p>
@@ -13618,19 +13861,17 @@
           </a:prstGeom>
         </p:spPr>
         <p:style>
-          <a:lnRef idx="2">
-            <a:schemeClr val="accent1">
-              <a:shade val="50000"/>
-            </a:schemeClr>
+          <a:lnRef idx="1">
+            <a:schemeClr val="accent1"/>
           </a:lnRef>
-          <a:fillRef idx="1">
+          <a:fillRef idx="2">
             <a:schemeClr val="accent1"/>
           </a:fillRef>
-          <a:effectRef idx="0">
+          <a:effectRef idx="1">
             <a:schemeClr val="accent1"/>
           </a:effectRef>
           <a:fontRef idx="minor">
-            <a:schemeClr val="lt1"/>
+            <a:schemeClr val="dk1"/>
           </a:fontRef>
         </p:style>
         <p:txBody>
@@ -13658,19 +13899,17 @@
           </a:prstGeom>
         </p:spPr>
         <p:style>
-          <a:lnRef idx="2">
-            <a:schemeClr val="accent1">
-              <a:shade val="50000"/>
-            </a:schemeClr>
+          <a:lnRef idx="1">
+            <a:schemeClr val="accent1"/>
           </a:lnRef>
-          <a:fillRef idx="1">
+          <a:fillRef idx="2">
             <a:schemeClr val="accent1"/>
           </a:fillRef>
-          <a:effectRef idx="0">
+          <a:effectRef idx="1">
             <a:schemeClr val="accent1"/>
           </a:effectRef>
           <a:fontRef idx="minor">
-            <a:schemeClr val="lt1"/>
+            <a:schemeClr val="dk1"/>
           </a:fontRef>
         </p:style>
         <p:txBody>
@@ -13698,15 +13937,13 @@
           </a:prstGeom>
         </p:spPr>
         <p:style>
-          <a:lnRef idx="2">
-            <a:schemeClr val="accent1">
-              <a:shade val="50000"/>
-            </a:schemeClr>
+          <a:lnRef idx="0">
+            <a:schemeClr val="accent1"/>
           </a:lnRef>
-          <a:fillRef idx="1">
+          <a:fillRef idx="3">
             <a:schemeClr val="accent1"/>
           </a:fillRef>
-          <a:effectRef idx="0">
+          <a:effectRef idx="3">
             <a:schemeClr val="accent1"/>
           </a:effectRef>
           <a:fontRef idx="minor">
@@ -13750,15 +13987,13 @@
           </a:prstGeom>
         </p:spPr>
         <p:style>
-          <a:lnRef idx="2">
-            <a:schemeClr val="accent1">
-              <a:shade val="50000"/>
-            </a:schemeClr>
+          <a:lnRef idx="0">
+            <a:schemeClr val="accent1"/>
           </a:lnRef>
-          <a:fillRef idx="1">
+          <a:fillRef idx="3">
             <a:schemeClr val="accent1"/>
           </a:fillRef>
-          <a:effectRef idx="0">
+          <a:effectRef idx="3">
             <a:schemeClr val="accent1"/>
           </a:effectRef>
           <a:fontRef idx="minor">
@@ -13878,25 +14113,45 @@
           <a:p>
             <a:pPr algn="ctr"/>
             <a:r>
-              <a:rPr lang="fr-FR" dirty="0" smtClean="0"/>
+              <a:rPr lang="fr-FR" dirty="0" smtClean="0">
+                <a:solidFill>
+                  <a:schemeClr val="accent1"/>
+                </a:solidFill>
+              </a:rPr>
               <a:t>Application data</a:t>
             </a:r>
           </a:p>
           <a:p>
             <a:pPr algn="ctr"/>
             <a:r>
-              <a:rPr lang="fr-FR" dirty="0" smtClean="0"/>
+              <a:rPr lang="fr-FR" dirty="0" smtClean="0">
+                <a:solidFill>
+                  <a:schemeClr val="accent1"/>
+                </a:solidFill>
+              </a:rPr>
               <a:t>(</a:t>
             </a:r>
             <a:r>
-              <a:rPr lang="fr-FR" dirty="0" err="1" smtClean="0"/>
+              <a:rPr lang="fr-FR" dirty="0" err="1" smtClean="0">
+                <a:solidFill>
+                  <a:schemeClr val="accent1"/>
+                </a:solidFill>
+              </a:rPr>
               <a:t>papers</a:t>
             </a:r>
             <a:r>
-              <a:rPr lang="fr-FR" dirty="0" smtClean="0"/>
+              <a:rPr lang="fr-FR" dirty="0" smtClean="0">
+                <a:solidFill>
+                  <a:schemeClr val="accent1"/>
+                </a:solidFill>
+              </a:rPr>
               <a:t>, votes)</a:t>
             </a:r>
-            <a:endParaRPr lang="fr-FR" dirty="0"/>
+            <a:endParaRPr lang="fr-FR" dirty="0">
+              <a:solidFill>
+                <a:schemeClr val="accent1"/>
+              </a:solidFill>
+            </a:endParaRPr>
           </a:p>
         </p:txBody>
       </p:sp>
@@ -13924,11 +14179,19 @@
           <a:p>
             <a:pPr algn="ctr"/>
             <a:r>
-              <a:rPr lang="fr-FR" dirty="0" err="1" smtClean="0"/>
+              <a:rPr lang="fr-FR" dirty="0" err="1" smtClean="0">
+                <a:solidFill>
+                  <a:schemeClr val="accent1"/>
+                </a:solidFill>
+              </a:rPr>
               <a:t>Process</a:t>
             </a:r>
             <a:r>
-              <a:rPr lang="fr-FR" dirty="0" smtClean="0"/>
+              <a:rPr lang="fr-FR" dirty="0" smtClean="0">
+                <a:solidFill>
+                  <a:schemeClr val="accent1"/>
+                </a:solidFill>
+              </a:rPr>
               <a:t> data</a:t>
             </a:r>
           </a:p>
@@ -13950,15 +14213,13 @@
           </a:prstGeom>
         </p:spPr>
         <p:style>
-          <a:lnRef idx="2">
-            <a:schemeClr val="accent1">
-              <a:shade val="50000"/>
-            </a:schemeClr>
+          <a:lnRef idx="1">
+            <a:schemeClr val="accent1"/>
           </a:lnRef>
-          <a:fillRef idx="1">
+          <a:fillRef idx="3">
             <a:schemeClr val="accent1"/>
           </a:fillRef>
-          <a:effectRef idx="0">
+          <a:effectRef idx="2">
             <a:schemeClr val="accent1"/>
           </a:effectRef>
           <a:fontRef idx="minor">
@@ -13994,15 +14255,13 @@
           </a:prstGeom>
         </p:spPr>
         <p:style>
-          <a:lnRef idx="2">
-            <a:schemeClr val="accent1">
-              <a:shade val="50000"/>
-            </a:schemeClr>
+          <a:lnRef idx="1">
+            <a:schemeClr val="accent1"/>
           </a:lnRef>
-          <a:fillRef idx="1">
+          <a:fillRef idx="3">
             <a:schemeClr val="accent1"/>
           </a:fillRef>
-          <a:effectRef idx="0">
+          <a:effectRef idx="2">
             <a:schemeClr val="accent1"/>
           </a:effectRef>
           <a:fontRef idx="minor">
@@ -14045,22 +14304,52 @@
           <a:lstStyle/>
           <a:p>
             <a:r>
-              <a:rPr lang="fr-FR" dirty="0" err="1" smtClean="0"/>
+              <a:rPr lang="fr-FR" dirty="0" err="1" smtClean="0">
+                <a:solidFill>
+                  <a:schemeClr val="accent1">
+                    <a:lumMod val="50000"/>
+                  </a:schemeClr>
+                </a:solidFill>
+              </a:rPr>
               <a:t>Create</a:t>
             </a:r>
             <a:r>
-              <a:rPr lang="fr-FR" dirty="0" smtClean="0"/>
+              <a:rPr lang="fr-FR" dirty="0" smtClean="0">
+                <a:solidFill>
+                  <a:schemeClr val="accent1">
+                    <a:lumMod val="50000"/>
+                  </a:schemeClr>
+                </a:solidFill>
+              </a:rPr>
               <a:t> new </a:t>
             </a:r>
             <a:r>
-              <a:rPr lang="fr-FR" dirty="0" err="1" smtClean="0"/>
+              <a:rPr lang="fr-FR" dirty="0" err="1" smtClean="0">
+                <a:solidFill>
+                  <a:schemeClr val="accent1">
+                    <a:lumMod val="50000"/>
+                  </a:schemeClr>
+                </a:solidFill>
+              </a:rPr>
               <a:t>process</a:t>
             </a:r>
             <a:r>
-              <a:rPr lang="fr-FR" dirty="0" smtClean="0"/>
+              <a:rPr lang="fr-FR" dirty="0" smtClean="0">
+                <a:solidFill>
+                  <a:schemeClr val="accent1">
+                    <a:lumMod val="50000"/>
+                  </a:schemeClr>
+                </a:solidFill>
+              </a:rPr>
               <a:t> instances</a:t>
             </a:r>
-            <a:endParaRPr lang="fr-FR" dirty="0"/>
+            <a:endParaRPr lang="fr-FR" dirty="0">
+              <a:solidFill>
+                <a:schemeClr val="accent1">
+                  <a:lumMod val="50000"/>
+                </a:schemeClr>
+              </a:solidFill>
+            </a:endParaRPr>
           </a:p>
         </p:txBody>
       </p:sp>
@@ -14087,10 +14376,22 @@
           <a:lstStyle/>
           <a:p>
             <a:r>
-              <a:rPr lang="fr-FR" dirty="0" smtClean="0"/>
+              <a:rPr lang="fr-FR" dirty="0" smtClean="0">
+                <a:solidFill>
+                  <a:schemeClr val="accent1">
+                    <a:lumMod val="50000"/>
+                  </a:schemeClr>
+                </a:solidFill>
+              </a:rPr>
               <a:t>Update application data</a:t>
             </a:r>
-            <a:endParaRPr lang="fr-FR" dirty="0"/>
+            <a:endParaRPr lang="fr-FR" dirty="0">
+              <a:solidFill>
+                <a:schemeClr val="accent1">
+                  <a:lumMod val="50000"/>
+                </a:schemeClr>
+              </a:solidFill>
+            </a:endParaRPr>
           </a:p>
         </p:txBody>
       </p:sp>
@@ -14171,7 +14472,7 @@
           <p:nvPr>
             <p:extLst>
               <p:ext uri="{D42A27DB-BD31-4B8C-83A1-F6EECF244321}">
-                <p14:modId xmlns:p14="http://schemas.microsoft.com/office/powerpoint/2010/main" val="2885835979"/>
+                <p14:modId xmlns:p14="http://schemas.microsoft.com/office/powerpoint/2010/main" val="2628499742"/>
               </p:ext>
             </p:extLst>
           </p:nvPr>
@@ -14272,25 +14573,22 @@
           <a:prstGeom prst="rect">
             <a:avLst/>
           </a:prstGeom>
-          <a:solidFill>
-            <a:schemeClr val="bg1"/>
-          </a:solidFill>
-          <a:ln>
-            <a:solidFill>
-              <a:schemeClr val="accent1">
-                <a:shade val="95000"/>
-                <a:satMod val="105000"/>
-              </a:schemeClr>
-            </a:solidFill>
-          </a:ln>
-          <a:effectLst>
-            <a:outerShdw blurRad="50800" dist="38100" dir="2700000" algn="tl" rotWithShape="0">
-              <a:prstClr val="black">
-                <a:alpha val="40000"/>
-              </a:prstClr>
-            </a:outerShdw>
-          </a:effectLst>
+          <a:ln/>
         </p:spPr>
+        <p:style>
+          <a:lnRef idx="1">
+            <a:schemeClr val="accent1"/>
+          </a:lnRef>
+          <a:fillRef idx="2">
+            <a:schemeClr val="accent1"/>
+          </a:fillRef>
+          <a:effectRef idx="1">
+            <a:schemeClr val="accent1"/>
+          </a:effectRef>
+          <a:fontRef idx="minor">
+            <a:schemeClr val="dk1"/>
+          </a:fontRef>
+        </p:style>
         <p:txBody>
           <a:bodyPr wrap="square" lIns="360000" tIns="360000" rIns="360000" bIns="360000" rtlCol="0">
             <a:spAutoFit/>
@@ -14491,202 +14789,178 @@
         <p:spPr>
           <a:xfrm>
             <a:off x="457200" y="1600200"/>
-            <a:ext cx="7620000" cy="4800600"/>
+            <a:ext cx="7620000" cy="1468760"/>
           </a:xfrm>
         </p:spPr>
         <p:txBody>
-          <a:bodyPr/>
+          <a:bodyPr>
+            <a:normAutofit/>
+          </a:bodyPr>
           <a:lstStyle/>
           <a:p>
             <a:r>
-              <a:rPr lang="fr-FR" dirty="0" err="1" smtClean="0"/>
+              <a:rPr lang="fr-FR" sz="2800" dirty="0" err="1" smtClean="0"/>
               <a:t>Create</a:t>
             </a:r>
             <a:r>
-              <a:rPr lang="fr-FR" dirty="0" smtClean="0"/>
+              <a:rPr lang="fr-FR" sz="2800" dirty="0" smtClean="0"/>
               <a:t> a </a:t>
             </a:r>
             <a:r>
-              <a:rPr lang="fr-FR" dirty="0" err="1" smtClean="0"/>
+              <a:rPr lang="fr-FR" sz="2800" dirty="0" err="1" smtClean="0"/>
               <a:t>task</a:t>
             </a:r>
             <a:r>
-              <a:rPr lang="fr-FR" dirty="0" smtClean="0"/>
+              <a:rPr lang="fr-FR" sz="2800" dirty="0" smtClean="0"/>
               <a:t> to </a:t>
             </a:r>
             <a:r>
-              <a:rPr lang="fr-FR" dirty="0" err="1" smtClean="0"/>
+              <a:rPr lang="fr-FR" sz="2800" dirty="0" err="1" smtClean="0"/>
               <a:t>notify</a:t>
             </a:r>
             <a:r>
-              <a:rPr lang="fr-FR" dirty="0" smtClean="0"/>
+              <a:rPr lang="fr-FR" sz="2800" dirty="0" smtClean="0"/>
               <a:t> the user</a:t>
             </a:r>
           </a:p>
           <a:p>
             <a:r>
-              <a:rPr lang="fr-FR" dirty="0" err="1" smtClean="0"/>
+              <a:rPr lang="fr-FR" sz="2800" dirty="0" err="1" smtClean="0"/>
               <a:t>Add</a:t>
             </a:r>
             <a:r>
-              <a:rPr lang="fr-FR" dirty="0" smtClean="0"/>
+              <a:rPr lang="fr-FR" sz="2800" dirty="0" smtClean="0"/>
               <a:t> a </a:t>
             </a:r>
             <a:r>
-              <a:rPr lang="fr-FR" dirty="0" err="1" smtClean="0"/>
+              <a:rPr lang="fr-FR" sz="2800" dirty="0" err="1" smtClean="0"/>
               <a:t>connector</a:t>
             </a:r>
             <a:r>
-              <a:rPr lang="fr-FR" dirty="0" smtClean="0"/>
+              <a:rPr lang="fr-FR" sz="2800" dirty="0" smtClean="0"/>
               <a:t> to </a:t>
             </a:r>
             <a:r>
-              <a:rPr lang="fr-FR" dirty="0" err="1" smtClean="0"/>
+              <a:rPr lang="fr-FR" sz="2800" dirty="0" err="1" smtClean="0"/>
               <a:t>send</a:t>
             </a:r>
             <a:r>
-              <a:rPr lang="fr-FR" dirty="0" smtClean="0"/>
+              <a:rPr lang="fr-FR" sz="2800" dirty="0" smtClean="0"/>
               <a:t> the email</a:t>
             </a:r>
           </a:p>
-          <a:p>
-            <a:r>
-              <a:rPr lang="fr-FR" dirty="0" err="1" smtClean="0"/>
-              <a:t>What</a:t>
-            </a:r>
-            <a:r>
-              <a:rPr lang="fr-FR" dirty="0" smtClean="0"/>
-              <a:t> if </a:t>
-            </a:r>
-            <a:r>
-              <a:rPr lang="fr-FR" dirty="0" err="1" smtClean="0"/>
-              <a:t>there’s</a:t>
-            </a:r>
-            <a:r>
-              <a:rPr lang="fr-FR" dirty="0" smtClean="0"/>
-              <a:t> an </a:t>
-            </a:r>
-            <a:r>
-              <a:rPr lang="fr-FR" dirty="0" err="1" smtClean="0"/>
-              <a:t>error</a:t>
-            </a:r>
-            <a:r>
-              <a:rPr lang="fr-FR" dirty="0" smtClean="0"/>
-              <a:t> ?</a:t>
-            </a:r>
-          </a:p>
-          <a:p>
-            <a:pPr lvl="1"/>
-            <a:r>
-              <a:rPr lang="fr-FR" dirty="0" smtClean="0"/>
-              <a:t>For the moment : </a:t>
-            </a:r>
-            <a:r>
-              <a:rPr lang="fr-FR" dirty="0" err="1" smtClean="0"/>
-              <a:t>Let’s</a:t>
-            </a:r>
-            <a:r>
-              <a:rPr lang="fr-FR" dirty="0" smtClean="0"/>
-              <a:t> </a:t>
-            </a:r>
-            <a:r>
-              <a:rPr lang="fr-FR" dirty="0" smtClean="0"/>
-              <a:t>ignore </a:t>
-            </a:r>
-            <a:r>
-              <a:rPr lang="fr-FR" dirty="0" err="1" smtClean="0"/>
-              <a:t>it</a:t>
-            </a:r>
-            <a:r>
-              <a:rPr lang="fr-FR" dirty="0" smtClean="0"/>
-              <a:t> !</a:t>
-            </a:r>
-            <a:endParaRPr lang="fr-FR" dirty="0" smtClean="0"/>
-          </a:p>
-          <a:p>
-            <a:pPr lvl="1"/>
-            <a:r>
-              <a:rPr lang="fr-FR" dirty="0" err="1" smtClean="0"/>
-              <a:t>Other</a:t>
-            </a:r>
-            <a:r>
-              <a:rPr lang="fr-FR" dirty="0" smtClean="0"/>
-              <a:t> </a:t>
-            </a:r>
-            <a:r>
-              <a:rPr lang="fr-FR" dirty="0" smtClean="0"/>
-              <a:t>solutions :</a:t>
-            </a:r>
-          </a:p>
-          <a:p>
-            <a:pPr marL="982980" lvl="3">
-              <a:buClr>
-                <a:schemeClr val="accent1"/>
-              </a:buClr>
-            </a:pPr>
-            <a:r>
-              <a:rPr lang="fr-FR" dirty="0" err="1"/>
-              <a:t>Handle</a:t>
-            </a:r>
-            <a:r>
-              <a:rPr lang="fr-FR" dirty="0"/>
-              <a:t> </a:t>
-            </a:r>
-            <a:r>
-              <a:rPr lang="fr-FR" dirty="0" smtClean="0"/>
-              <a:t>the </a:t>
-            </a:r>
-            <a:r>
-              <a:rPr lang="fr-FR" dirty="0" err="1" smtClean="0"/>
-              <a:t>error</a:t>
-            </a:r>
-            <a:r>
-              <a:rPr lang="fr-FR" dirty="0" smtClean="0"/>
-              <a:t> and </a:t>
-            </a:r>
-            <a:r>
-              <a:rPr lang="fr-FR" dirty="0" err="1" smtClean="0"/>
-              <a:t>create</a:t>
-            </a:r>
-            <a:r>
-              <a:rPr lang="fr-FR" dirty="0" smtClean="0"/>
-              <a:t> a </a:t>
-            </a:r>
-            <a:r>
-              <a:rPr lang="fr-FR" dirty="0" err="1" smtClean="0"/>
-              <a:t>task</a:t>
-            </a:r>
-            <a:r>
-              <a:rPr lang="fr-FR" dirty="0" smtClean="0"/>
-              <a:t> for </a:t>
-            </a:r>
-            <a:r>
-              <a:rPr lang="fr-FR" dirty="0" err="1" smtClean="0"/>
-              <a:t>notifying</a:t>
-            </a:r>
-            <a:r>
-              <a:rPr lang="fr-FR" dirty="0" smtClean="0"/>
-              <a:t> the user</a:t>
-            </a:r>
-          </a:p>
-          <a:p>
-            <a:pPr marL="982980" lvl="3">
-              <a:buClr>
-                <a:schemeClr val="accent1"/>
-              </a:buClr>
-            </a:pPr>
-            <a:r>
-              <a:rPr lang="fr-FR" dirty="0" smtClean="0"/>
-              <a:t>Stop the </a:t>
-            </a:r>
-            <a:r>
-              <a:rPr lang="fr-FR" dirty="0" err="1" smtClean="0"/>
-              <a:t>process</a:t>
-            </a:r>
-            <a:endParaRPr lang="fr-FR" dirty="0" smtClean="0"/>
-          </a:p>
-        </p:txBody>
-      </p:sp>
+        </p:txBody>
+      </p:sp>
+      <p:pic>
+        <p:nvPicPr>
+          <p:cNvPr id="1026" name="Picture 2"/>
+          <p:cNvPicPr>
+            <a:picLocks noChangeAspect="1" noChangeArrowheads="1"/>
+          </p:cNvPicPr>
+          <p:nvPr/>
+        </p:nvPicPr>
+        <p:blipFill>
+          <a:blip r:embed="rId2">
+            <a:extLst>
+              <a:ext uri="{28A0092B-C50C-407E-A947-70E740481C1C}">
+                <a14:useLocalDpi xmlns:a14="http://schemas.microsoft.com/office/drawing/2010/main" val="0"/>
+              </a:ext>
+            </a:extLst>
+          </a:blip>
+          <a:srcRect/>
+          <a:stretch>
+            <a:fillRect/>
+          </a:stretch>
+        </p:blipFill>
+        <p:spPr bwMode="auto">
+          <a:xfrm>
+            <a:off x="4355976" y="2996951"/>
+            <a:ext cx="3364408" cy="3377225"/>
+          </a:xfrm>
+          <a:prstGeom prst="rect">
+            <a:avLst/>
+          </a:prstGeom>
+          <a:noFill/>
+          <a:ln>
+            <a:noFill/>
+          </a:ln>
+          <a:effectLst/>
+          <a:extLst>
+            <a:ext uri="{909E8E84-426E-40DD-AFC4-6F175D3DCCD1}">
+              <a14:hiddenFill xmlns:a14="http://schemas.microsoft.com/office/drawing/2010/main">
+                <a:solidFill>
+                  <a:schemeClr val="accent1"/>
+                </a:solidFill>
+              </a14:hiddenFill>
+            </a:ext>
+            <a:ext uri="{91240B29-F687-4F45-9708-019B960494DF}">
+              <a14:hiddenLine xmlns:a14="http://schemas.microsoft.com/office/drawing/2010/main" w="9525">
+                <a:solidFill>
+                  <a:schemeClr val="tx1"/>
+                </a:solidFill>
+                <a:miter lim="800000"/>
+                <a:headEnd/>
+                <a:tailEnd/>
+              </a14:hiddenLine>
+            </a:ext>
+            <a:ext uri="{AF507438-7753-43E0-B8FC-AC1667EBCBE1}">
+              <a14:hiddenEffects xmlns:a14="http://schemas.microsoft.com/office/drawing/2010/main">
+                <a:effectLst>
+                  <a:outerShdw dist="35921" dir="2700000" algn="ctr" rotWithShape="0">
+                    <a:schemeClr val="bg2"/>
+                  </a:outerShdw>
+                </a:effectLst>
+              </a14:hiddenEffects>
+            </a:ext>
+          </a:extLst>
+        </p:spPr>
+      </p:pic>
+      <p:pic>
+        <p:nvPicPr>
+          <p:cNvPr id="3" name="Image 2"/>
+          <p:cNvPicPr>
+            <a:picLocks noChangeAspect="1"/>
+          </p:cNvPicPr>
+          <p:nvPr/>
+        </p:nvPicPr>
+        <p:blipFill>
+          <a:blip r:embed="rId3">
+            <a:extLst>
+              <a:ext uri="{28A0092B-C50C-407E-A947-70E740481C1C}">
+                <a14:useLocalDpi xmlns:a14="http://schemas.microsoft.com/office/drawing/2010/main" val="0"/>
+              </a:ext>
+            </a:extLst>
+          </a:blip>
+          <a:stretch>
+            <a:fillRect/>
+          </a:stretch>
+        </p:blipFill>
+        <p:spPr>
+          <a:xfrm>
+            <a:off x="395536" y="4048047"/>
+            <a:ext cx="3161905" cy="1238095"/>
+          </a:xfrm>
+          <a:prstGeom prst="round2DiagRect">
+            <a:avLst>
+              <a:gd name="adj1" fmla="val 16667"/>
+              <a:gd name="adj2" fmla="val 0"/>
+            </a:avLst>
+          </a:prstGeom>
+          <a:ln w="88900" cap="sq">
+            <a:solidFill>
+              <a:srgbClr val="FFFFFF"/>
+            </a:solidFill>
+            <a:miter lim="800000"/>
+          </a:ln>
+          <a:effectLst>
+            <a:outerShdw blurRad="254000" algn="tl" rotWithShape="0">
+              <a:srgbClr val="000000">
+                <a:alpha val="43000"/>
+              </a:srgbClr>
+            </a:outerShdw>
+          </a:effectLst>
+        </p:spPr>
+      </p:pic>
     </p:spTree>
     <p:extLst>
       <p:ext uri="{BB962C8B-B14F-4D97-AF65-F5344CB8AC3E}">
@@ -14773,25 +15047,22 @@
           <a:prstGeom prst="rect">
             <a:avLst/>
           </a:prstGeom>
-          <a:solidFill>
-            <a:schemeClr val="bg1"/>
-          </a:solidFill>
-          <a:ln>
-            <a:solidFill>
-              <a:schemeClr val="accent1">
-                <a:shade val="95000"/>
-                <a:satMod val="105000"/>
-              </a:schemeClr>
-            </a:solidFill>
-          </a:ln>
-          <a:effectLst>
-            <a:outerShdw blurRad="50800" dist="38100" dir="2700000" algn="tl" rotWithShape="0">
-              <a:prstClr val="black">
-                <a:alpha val="40000"/>
-              </a:prstClr>
-            </a:outerShdw>
-          </a:effectLst>
+          <a:ln/>
         </p:spPr>
+        <p:style>
+          <a:lnRef idx="1">
+            <a:schemeClr val="accent1"/>
+          </a:lnRef>
+          <a:fillRef idx="2">
+            <a:schemeClr val="accent1"/>
+          </a:fillRef>
+          <a:effectRef idx="1">
+            <a:schemeClr val="accent1"/>
+          </a:effectRef>
+          <a:fontRef idx="minor">
+            <a:schemeClr val="dk1"/>
+          </a:fontRef>
+        </p:style>
         <p:txBody>
           <a:bodyPr wrap="square" lIns="360000" tIns="360000" rIns="360000" bIns="360000" rtlCol="0">
             <a:spAutoFit/>
@@ -15025,7 +15296,7 @@
         <p:spPr>
           <a:xfrm>
             <a:off x="457200" y="1600200"/>
-            <a:ext cx="7620000" cy="4800600"/>
+            <a:ext cx="7620000" cy="2692896"/>
           </a:xfrm>
         </p:spPr>
         <p:txBody>
@@ -15033,184 +15304,136 @@
           <a:lstStyle/>
           <a:p>
             <a:r>
-              <a:rPr lang="fr-FR" dirty="0" smtClean="0"/>
+              <a:rPr lang="fr-FR" sz="2800" dirty="0" smtClean="0"/>
               <a:t>Upgrade the </a:t>
             </a:r>
             <a:r>
-              <a:rPr lang="fr-FR" dirty="0" err="1" smtClean="0"/>
+              <a:rPr lang="fr-FR" sz="2800" dirty="0" err="1" smtClean="0"/>
               <a:t>process</a:t>
             </a:r>
             <a:r>
-              <a:rPr lang="fr-FR" dirty="0" smtClean="0"/>
+              <a:rPr lang="fr-FR" sz="2800" dirty="0" smtClean="0"/>
               <a:t> to </a:t>
             </a:r>
             <a:r>
-              <a:rPr lang="fr-FR" dirty="0" err="1" smtClean="0"/>
+              <a:rPr lang="fr-FR" sz="2800" dirty="0" err="1" smtClean="0"/>
               <a:t>ask</a:t>
             </a:r>
             <a:r>
-              <a:rPr lang="fr-FR" dirty="0" smtClean="0"/>
+              <a:rPr lang="fr-FR" sz="2800" dirty="0" smtClean="0"/>
               <a:t> for a validation</a:t>
             </a:r>
           </a:p>
           <a:p>
             <a:r>
-              <a:rPr lang="fr-FR" dirty="0" err="1" smtClean="0"/>
+              <a:rPr lang="fr-FR" sz="2800" dirty="0" err="1" smtClean="0"/>
               <a:t>Create</a:t>
             </a:r>
             <a:r>
-              <a:rPr lang="fr-FR" dirty="0" smtClean="0"/>
+              <a:rPr lang="fr-FR" sz="2800" dirty="0" smtClean="0"/>
               <a:t> </a:t>
             </a:r>
             <a:r>
-              <a:rPr lang="fr-FR" dirty="0" err="1" smtClean="0"/>
+              <a:rPr lang="fr-FR" sz="2800" dirty="0" err="1" smtClean="0"/>
               <a:t>two</a:t>
             </a:r>
             <a:r>
-              <a:rPr lang="fr-FR" dirty="0" smtClean="0"/>
+              <a:rPr lang="fr-FR" sz="2800" dirty="0" smtClean="0"/>
               <a:t> </a:t>
             </a:r>
             <a:r>
-              <a:rPr lang="fr-FR" dirty="0" err="1" smtClean="0"/>
+              <a:rPr lang="fr-FR" sz="2800" dirty="0" err="1" smtClean="0"/>
               <a:t>paths</a:t>
             </a:r>
-            <a:endParaRPr lang="fr-FR" dirty="0"/>
-          </a:p>
-          <a:p>
-            <a:pPr lvl="1"/>
-            <a:r>
-              <a:rPr lang="fr-FR" dirty="0" err="1" smtClean="0"/>
-              <a:t>Paper</a:t>
-            </a:r>
-            <a:r>
-              <a:rPr lang="fr-FR" dirty="0" smtClean="0"/>
-              <a:t> </a:t>
-            </a:r>
-            <a:r>
-              <a:rPr lang="fr-FR" dirty="0" err="1" smtClean="0"/>
+            <a:r>
+              <a:rPr lang="fr-FR" sz="2800" dirty="0" smtClean="0"/>
+              <a:t> (</a:t>
+            </a:r>
+            <a:r>
+              <a:rPr lang="fr-FR" sz="2800" dirty="0" err="1" smtClean="0"/>
               <a:t>accepted</a:t>
             </a:r>
-            <a:endParaRPr lang="fr-FR" dirty="0" smtClean="0"/>
-          </a:p>
-          <a:p>
-            <a:pPr lvl="1"/>
-            <a:r>
-              <a:rPr lang="fr-FR" dirty="0" err="1" smtClean="0"/>
-              <a:t>Paper</a:t>
-            </a:r>
-            <a:r>
-              <a:rPr lang="fr-FR" dirty="0" smtClean="0"/>
-              <a:t> </a:t>
-            </a:r>
-            <a:r>
-              <a:rPr lang="fr-FR" dirty="0" err="1" smtClean="0"/>
+            <a:r>
+              <a:rPr lang="fr-FR" sz="2800" dirty="0" smtClean="0"/>
+              <a:t> / </a:t>
+            </a:r>
+            <a:r>
+              <a:rPr lang="fr-FR" sz="2800" dirty="0" err="1" smtClean="0"/>
               <a:t>rejected</a:t>
             </a:r>
             <a:r>
-              <a:rPr lang="fr-FR" dirty="0" smtClean="0"/>
-              <a:t> (SPAM, …)</a:t>
-            </a:r>
-          </a:p>
-          <a:p>
-            <a:r>
-              <a:rPr lang="fr-FR" dirty="0" smtClean="0"/>
-              <a:t>And </a:t>
-            </a:r>
-            <a:r>
-              <a:rPr lang="fr-FR" dirty="0" err="1" smtClean="0"/>
-              <a:t>notify</a:t>
-            </a:r>
-            <a:r>
-              <a:rPr lang="fr-FR" dirty="0" smtClean="0"/>
+              <a:rPr lang="fr-FR" sz="2800" dirty="0" smtClean="0"/>
+              <a:t>)</a:t>
+            </a:r>
+            <a:endParaRPr lang="fr-FR" sz="2400" dirty="0" smtClean="0"/>
+          </a:p>
+          <a:p>
+            <a:r>
+              <a:rPr lang="fr-FR" sz="2800" dirty="0" err="1" smtClean="0"/>
+              <a:t>Notify</a:t>
+            </a:r>
+            <a:r>
+              <a:rPr lang="fr-FR" sz="2800" dirty="0" smtClean="0"/>
               <a:t> the user as </a:t>
             </a:r>
             <a:r>
-              <a:rPr lang="fr-FR" dirty="0" err="1" smtClean="0"/>
+              <a:rPr lang="fr-FR" sz="2800" dirty="0" err="1" smtClean="0"/>
               <a:t>before</a:t>
             </a:r>
-            <a:endParaRPr lang="fr-FR" dirty="0" smtClean="0"/>
-          </a:p>
-          <a:p>
-            <a:r>
-              <a:rPr lang="fr-FR" dirty="0" smtClean="0"/>
-              <a:t>Design web application</a:t>
-            </a:r>
-          </a:p>
-          <a:p>
-            <a:pPr lvl="1"/>
-            <a:r>
-              <a:rPr lang="fr-FR" dirty="0" err="1" smtClean="0"/>
-              <a:t>Retrive</a:t>
-            </a:r>
-            <a:r>
-              <a:rPr lang="fr-FR" dirty="0"/>
-              <a:t> </a:t>
-            </a:r>
-            <a:r>
-              <a:rPr lang="fr-FR" dirty="0" err="1" smtClean="0"/>
-              <a:t>paper</a:t>
-            </a:r>
-            <a:r>
-              <a:rPr lang="fr-FR" dirty="0" smtClean="0"/>
-              <a:t> information </a:t>
-            </a:r>
-            <a:r>
-              <a:rPr lang="fr-FR" dirty="0" err="1" smtClean="0"/>
-              <a:t>using</a:t>
-            </a:r>
-            <a:r>
-              <a:rPr lang="fr-FR" dirty="0" smtClean="0"/>
-              <a:t> </a:t>
-            </a:r>
-            <a:r>
-              <a:rPr lang="fr-FR" dirty="0" err="1" smtClean="0"/>
-              <a:t>remote</a:t>
-            </a:r>
-            <a:r>
-              <a:rPr lang="fr-FR" dirty="0" smtClean="0"/>
-              <a:t> API</a:t>
-            </a:r>
-            <a:endParaRPr lang="fr-FR" dirty="0"/>
-          </a:p>
-          <a:p>
-            <a:r>
-              <a:rPr lang="fr-FR" dirty="0" smtClean="0"/>
-              <a:t>Note</a:t>
-            </a:r>
-          </a:p>
-          <a:p>
-            <a:pPr lvl="1"/>
-            <a:r>
-              <a:rPr lang="fr-FR" dirty="0" err="1" smtClean="0"/>
-              <a:t>Two</a:t>
-            </a:r>
-            <a:r>
-              <a:rPr lang="fr-FR" dirty="0" smtClean="0"/>
-              <a:t> end </a:t>
-            </a:r>
-            <a:r>
-              <a:rPr lang="fr-FR" dirty="0" err="1" smtClean="0"/>
-              <a:t>event</a:t>
-            </a:r>
-            <a:r>
-              <a:rPr lang="fr-FR" dirty="0" smtClean="0"/>
-              <a:t> : one per business </a:t>
-            </a:r>
-            <a:r>
-              <a:rPr lang="fr-FR" dirty="0" err="1" smtClean="0"/>
-              <a:t>event</a:t>
-            </a:r>
-            <a:r>
-              <a:rPr lang="fr-FR" dirty="0" smtClean="0"/>
-              <a:t> !</a:t>
-            </a:r>
-          </a:p>
-        </p:txBody>
-      </p:sp>
+            <a:endParaRPr lang="fr-FR" sz="2800" dirty="0" smtClean="0"/>
+          </a:p>
+        </p:txBody>
+      </p:sp>
+      <p:pic>
+        <p:nvPicPr>
+          <p:cNvPr id="3" name="Image 2"/>
+          <p:cNvPicPr>
+            <a:picLocks noChangeAspect="1"/>
+          </p:cNvPicPr>
+          <p:nvPr/>
+        </p:nvPicPr>
+        <p:blipFill>
+          <a:blip r:embed="rId2">
+            <a:extLst>
+              <a:ext uri="{28A0092B-C50C-407E-A947-70E740481C1C}">
+                <a14:useLocalDpi xmlns:a14="http://schemas.microsoft.com/office/drawing/2010/main" val="0"/>
+              </a:ext>
+            </a:extLst>
+          </a:blip>
+          <a:stretch>
+            <a:fillRect/>
+          </a:stretch>
+        </p:blipFill>
+        <p:spPr>
+          <a:xfrm>
+            <a:off x="1763688" y="3603850"/>
+            <a:ext cx="4882527" cy="2489446"/>
+          </a:xfrm>
+          <a:prstGeom prst="round2DiagRect">
+            <a:avLst>
+              <a:gd name="adj1" fmla="val 16667"/>
+              <a:gd name="adj2" fmla="val 0"/>
+            </a:avLst>
+          </a:prstGeom>
+          <a:ln w="88900" cap="sq">
+            <a:solidFill>
+              <a:srgbClr val="FFFFFF"/>
+            </a:solidFill>
+            <a:miter lim="800000"/>
+          </a:ln>
+          <a:effectLst>
+            <a:outerShdw blurRad="254000" algn="tl" rotWithShape="0">
+              <a:srgbClr val="000000">
+                <a:alpha val="43000"/>
+              </a:srgbClr>
+            </a:outerShdw>
+          </a:effectLst>
+        </p:spPr>
+      </p:pic>
     </p:spTree>
     <p:extLst>
       <p:ext uri="{BB962C8B-B14F-4D97-AF65-F5344CB8AC3E}">
-        <p14:creationId xmlns:p14="http://schemas.microsoft.com/office/powerpoint/2010/main" val="789864255"/>
+        <p14:creationId xmlns:p14="http://schemas.microsoft.com/office/powerpoint/2010/main" val="3138237544"/>
       </p:ext>
     </p:extLst>
   </p:cSld>
@@ -15273,6 +15496,195 @@
             </a:r>
             <a:r>
               <a:rPr lang="fr-FR" dirty="0" smtClean="0"/>
+              <a:t> #2</a:t>
+            </a:r>
+            <a:br>
+              <a:rPr lang="fr-FR" dirty="0" smtClean="0"/>
+            </a:br>
+            <a:r>
+              <a:rPr lang="fr-FR" sz="2400" dirty="0" smtClean="0"/>
+              <a:t>Solution</a:t>
+            </a:r>
+            <a:endParaRPr lang="fr-FR" dirty="0"/>
+          </a:p>
+        </p:txBody>
+      </p:sp>
+      <p:sp>
+        <p:nvSpPr>
+          <p:cNvPr id="5" name="Espace réservé du contenu 2"/>
+          <p:cNvSpPr>
+            <a:spLocks noGrp="1"/>
+          </p:cNvSpPr>
+          <p:nvPr>
+            <p:ph idx="1"/>
+          </p:nvPr>
+        </p:nvSpPr>
+        <p:spPr>
+          <a:xfrm>
+            <a:off x="457200" y="1600200"/>
+            <a:ext cx="7620000" cy="4800600"/>
+          </a:xfrm>
+        </p:spPr>
+        <p:txBody>
+          <a:bodyPr>
+            <a:normAutofit/>
+          </a:bodyPr>
+          <a:lstStyle/>
+          <a:p>
+            <a:r>
+              <a:rPr lang="fr-FR" sz="2800" dirty="0" smtClean="0"/>
+              <a:t>Design web application</a:t>
+            </a:r>
+          </a:p>
+          <a:p>
+            <a:r>
+              <a:rPr lang="fr-FR" sz="2800" dirty="0" err="1" smtClean="0"/>
+              <a:t>Retrive</a:t>
+            </a:r>
+            <a:r>
+              <a:rPr lang="fr-FR" sz="2800" dirty="0"/>
+              <a:t> </a:t>
+            </a:r>
+            <a:r>
+              <a:rPr lang="fr-FR" sz="2800" dirty="0" err="1" smtClean="0"/>
+              <a:t>paper</a:t>
+            </a:r>
+            <a:r>
+              <a:rPr lang="fr-FR" sz="2800" dirty="0" smtClean="0"/>
+              <a:t> information </a:t>
+            </a:r>
+            <a:r>
+              <a:rPr lang="fr-FR" sz="2800" dirty="0" err="1" smtClean="0"/>
+              <a:t>using</a:t>
+            </a:r>
+            <a:r>
+              <a:rPr lang="fr-FR" sz="2800" dirty="0" smtClean="0"/>
+              <a:t> </a:t>
+            </a:r>
+            <a:r>
+              <a:rPr lang="fr-FR" sz="2800" dirty="0" err="1" smtClean="0"/>
+              <a:t>remote</a:t>
+            </a:r>
+            <a:r>
+              <a:rPr lang="fr-FR" sz="2800" dirty="0" smtClean="0"/>
+              <a:t> API</a:t>
+            </a:r>
+            <a:endParaRPr lang="fr-FR" sz="2800" dirty="0"/>
+          </a:p>
+        </p:txBody>
+      </p:sp>
+      <p:pic>
+        <p:nvPicPr>
+          <p:cNvPr id="3" name="Image 2"/>
+          <p:cNvPicPr>
+            <a:picLocks noChangeAspect="1"/>
+          </p:cNvPicPr>
+          <p:nvPr/>
+        </p:nvPicPr>
+        <p:blipFill>
+          <a:blip r:embed="rId2">
+            <a:extLst>
+              <a:ext uri="{28A0092B-C50C-407E-A947-70E740481C1C}">
+                <a14:useLocalDpi xmlns:a14="http://schemas.microsoft.com/office/drawing/2010/main" val="0"/>
+              </a:ext>
+            </a:extLst>
+          </a:blip>
+          <a:stretch>
+            <a:fillRect/>
+          </a:stretch>
+        </p:blipFill>
+        <p:spPr>
+          <a:xfrm>
+            <a:off x="827584" y="3173720"/>
+            <a:ext cx="6615413" cy="3247950"/>
+          </a:xfrm>
+          <a:prstGeom prst="round2DiagRect">
+            <a:avLst>
+              <a:gd name="adj1" fmla="val 16667"/>
+              <a:gd name="adj2" fmla="val 0"/>
+            </a:avLst>
+          </a:prstGeom>
+          <a:ln w="88900" cap="sq">
+            <a:solidFill>
+              <a:srgbClr val="FFFFFF"/>
+            </a:solidFill>
+            <a:miter lim="800000"/>
+          </a:ln>
+          <a:effectLst>
+            <a:outerShdw blurRad="254000" algn="tl" rotWithShape="0">
+              <a:srgbClr val="000000">
+                <a:alpha val="43000"/>
+              </a:srgbClr>
+            </a:outerShdw>
+          </a:effectLst>
+        </p:spPr>
+      </p:pic>
+    </p:spTree>
+    <p:extLst>
+      <p:ext uri="{BB962C8B-B14F-4D97-AF65-F5344CB8AC3E}">
+        <p14:creationId xmlns:p14="http://schemas.microsoft.com/office/powerpoint/2010/main" val="789864255"/>
+      </p:ext>
+    </p:extLst>
+  </p:cSld>
+  <p:clrMapOvr>
+    <a:masterClrMapping/>
+  </p:clrMapOvr>
+  <p:timing>
+    <p:tnLst>
+      <p:par>
+        <p:cTn id="1" dur="indefinite" restart="never" nodeType="tmRoot"/>
+      </p:par>
+    </p:tnLst>
+  </p:timing>
+</p:sld>
+</file>
+
+<file path=ppt/slides/slide18.xml><?xml version="1.0" encoding="utf-8"?>
+<p:sld xmlns:a="http://schemas.openxmlformats.org/drawingml/2006/main" xmlns:r="http://schemas.openxmlformats.org/officeDocument/2006/relationships" xmlns:p="http://schemas.openxmlformats.org/presentationml/2006/main">
+  <p:cSld>
+    <p:spTree>
+      <p:nvGrpSpPr>
+        <p:cNvPr id="1" name=""/>
+        <p:cNvGrpSpPr/>
+        <p:nvPr/>
+      </p:nvGrpSpPr>
+      <p:grpSpPr>
+        <a:xfrm>
+          <a:off x="0" y="0"/>
+          <a:ext cx="0" cy="0"/>
+          <a:chOff x="0" y="0"/>
+          <a:chExt cx="0" cy="0"/>
+        </a:xfrm>
+      </p:grpSpPr>
+      <p:sp>
+        <p:nvSpPr>
+          <p:cNvPr id="2" name="Titre 1"/>
+          <p:cNvSpPr>
+            <a:spLocks noGrp="1"/>
+          </p:cNvSpPr>
+          <p:nvPr>
+            <p:ph type="title"/>
+          </p:nvPr>
+        </p:nvSpPr>
+        <p:spPr/>
+        <p:txBody>
+          <a:bodyPr/>
+          <a:lstStyle/>
+          <a:p>
+            <a:r>
+              <a:rPr lang="fr-FR" dirty="0" err="1" smtClean="0"/>
+              <a:t>Feature</a:t>
+            </a:r>
+            <a:r>
+              <a:rPr lang="fr-FR" dirty="0" smtClean="0"/>
+              <a:t> </a:t>
+            </a:r>
+            <a:r>
+              <a:rPr lang="fr-FR" dirty="0" err="1" smtClean="0"/>
+              <a:t>request</a:t>
+            </a:r>
+            <a:r>
+              <a:rPr lang="fr-FR" dirty="0" smtClean="0"/>
               <a:t> #3</a:t>
             </a:r>
             <a:endParaRPr lang="fr-FR" dirty="0"/>
@@ -15293,25 +15705,22 @@
           <a:prstGeom prst="rect">
             <a:avLst/>
           </a:prstGeom>
-          <a:solidFill>
-            <a:schemeClr val="bg1"/>
-          </a:solidFill>
-          <a:ln>
-            <a:solidFill>
-              <a:schemeClr val="accent1">
-                <a:shade val="95000"/>
-                <a:satMod val="105000"/>
-              </a:schemeClr>
-            </a:solidFill>
-          </a:ln>
-          <a:effectLst>
-            <a:outerShdw blurRad="50800" dist="38100" dir="2700000" algn="tl" rotWithShape="0">
-              <a:prstClr val="black">
-                <a:alpha val="40000"/>
-              </a:prstClr>
-            </a:outerShdw>
-          </a:effectLst>
+          <a:ln/>
         </p:spPr>
+        <p:style>
+          <a:lnRef idx="1">
+            <a:schemeClr val="accent1"/>
+          </a:lnRef>
+          <a:fillRef idx="2">
+            <a:schemeClr val="accent1"/>
+          </a:fillRef>
+          <a:effectRef idx="1">
+            <a:schemeClr val="accent1"/>
+          </a:effectRef>
+          <a:fontRef idx="minor">
+            <a:schemeClr val="dk1"/>
+          </a:fontRef>
+        </p:style>
         <p:txBody>
           <a:bodyPr wrap="square" lIns="360000" tIns="360000" rIns="360000" bIns="360000" rtlCol="0">
             <a:spAutoFit/>
@@ -15420,308 +15829,6 @@
 </p:sld>
 </file>
 
-<file path=ppt/slides/slide18.xml><?xml version="1.0" encoding="utf-8"?>
-<p:sld xmlns:a="http://schemas.openxmlformats.org/drawingml/2006/main" xmlns:r="http://schemas.openxmlformats.org/officeDocument/2006/relationships" xmlns:p="http://schemas.openxmlformats.org/presentationml/2006/main">
-  <p:cSld>
-    <p:spTree>
-      <p:nvGrpSpPr>
-        <p:cNvPr id="1" name=""/>
-        <p:cNvGrpSpPr/>
-        <p:nvPr/>
-      </p:nvGrpSpPr>
-      <p:grpSpPr>
-        <a:xfrm>
-          <a:off x="0" y="0"/>
-          <a:ext cx="0" cy="0"/>
-          <a:chOff x="0" y="0"/>
-          <a:chExt cx="0" cy="0"/>
-        </a:xfrm>
-      </p:grpSpPr>
-      <p:sp>
-        <p:nvSpPr>
-          <p:cNvPr id="2" name="Titre 1"/>
-          <p:cNvSpPr>
-            <a:spLocks noGrp="1"/>
-          </p:cNvSpPr>
-          <p:nvPr>
-            <p:ph type="title"/>
-          </p:nvPr>
-        </p:nvSpPr>
-        <p:spPr/>
-        <p:txBody>
-          <a:bodyPr/>
-          <a:lstStyle/>
-          <a:p>
-            <a:r>
-              <a:rPr lang="fr-FR" dirty="0" err="1" smtClean="0"/>
-              <a:t>Feature</a:t>
-            </a:r>
-            <a:r>
-              <a:rPr lang="fr-FR" dirty="0" smtClean="0"/>
-              <a:t> </a:t>
-            </a:r>
-            <a:r>
-              <a:rPr lang="fr-FR" dirty="0" err="1" smtClean="0"/>
-              <a:t>request</a:t>
-            </a:r>
-            <a:r>
-              <a:rPr lang="fr-FR" dirty="0" smtClean="0"/>
-              <a:t> #3</a:t>
-            </a:r>
-            <a:br>
-              <a:rPr lang="fr-FR" dirty="0" smtClean="0"/>
-            </a:br>
-            <a:r>
-              <a:rPr lang="fr-FR" sz="2400" dirty="0" smtClean="0"/>
-              <a:t>Solution</a:t>
-            </a:r>
-            <a:endParaRPr lang="fr-FR" dirty="0"/>
-          </a:p>
-        </p:txBody>
-      </p:sp>
-      <p:sp>
-        <p:nvSpPr>
-          <p:cNvPr id="5" name="Espace réservé du contenu 2"/>
-          <p:cNvSpPr>
-            <a:spLocks noGrp="1"/>
-          </p:cNvSpPr>
-          <p:nvPr>
-            <p:ph idx="1"/>
-          </p:nvPr>
-        </p:nvSpPr>
-        <p:spPr>
-          <a:xfrm>
-            <a:off x="457200" y="1600200"/>
-            <a:ext cx="7620000" cy="4800600"/>
-          </a:xfrm>
-        </p:spPr>
-        <p:txBody>
-          <a:bodyPr/>
-          <a:lstStyle/>
-          <a:p>
-            <a:r>
-              <a:rPr lang="fr-FR" dirty="0" smtClean="0"/>
-              <a:t>Upgrade the </a:t>
-            </a:r>
-            <a:r>
-              <a:rPr lang="fr-FR" dirty="0" err="1" smtClean="0"/>
-              <a:t>process</a:t>
-            </a:r>
-            <a:r>
-              <a:rPr lang="fr-FR" dirty="0" smtClean="0"/>
-              <a:t> to </a:t>
-            </a:r>
-            <a:r>
-              <a:rPr lang="fr-FR" dirty="0" err="1" smtClean="0"/>
-              <a:t>ask</a:t>
-            </a:r>
-            <a:r>
-              <a:rPr lang="fr-FR" dirty="0" smtClean="0"/>
-              <a:t> for a vote</a:t>
-            </a:r>
-          </a:p>
-          <a:p>
-            <a:pPr lvl="1"/>
-            <a:r>
-              <a:rPr lang="fr-FR" dirty="0" smtClean="0"/>
-              <a:t>Design the </a:t>
-            </a:r>
-            <a:r>
-              <a:rPr lang="fr-FR" dirty="0" err="1" smtClean="0"/>
-              <a:t>webapp</a:t>
-            </a:r>
-            <a:endParaRPr lang="fr-FR" dirty="0" smtClean="0"/>
-          </a:p>
-          <a:p>
-            <a:pPr lvl="1"/>
-            <a:r>
-              <a:rPr lang="fr-FR" dirty="0" err="1" smtClean="0"/>
-              <a:t>Retrieve</a:t>
-            </a:r>
-            <a:r>
-              <a:rPr lang="fr-FR" dirty="0" smtClean="0"/>
-              <a:t> </a:t>
-            </a:r>
-            <a:r>
-              <a:rPr lang="fr-FR" dirty="0" err="1" smtClean="0"/>
-              <a:t>Paper</a:t>
-            </a:r>
-            <a:r>
-              <a:rPr lang="fr-FR" dirty="0" smtClean="0"/>
-              <a:t> information via REST API</a:t>
-            </a:r>
-          </a:p>
-          <a:p>
-            <a:r>
-              <a:rPr lang="fr-FR" dirty="0" smtClean="0"/>
-              <a:t>Multi </a:t>
-            </a:r>
-            <a:r>
-              <a:rPr lang="fr-FR" dirty="0" err="1" smtClean="0"/>
-              <a:t>instantiate</a:t>
-            </a:r>
-            <a:r>
-              <a:rPr lang="fr-FR" dirty="0" smtClean="0"/>
-              <a:t> the vote </a:t>
-            </a:r>
-            <a:r>
-              <a:rPr lang="fr-FR" dirty="0" err="1" smtClean="0"/>
-              <a:t>task</a:t>
-            </a:r>
-            <a:endParaRPr lang="fr-FR" dirty="0"/>
-          </a:p>
-          <a:p>
-            <a:pPr lvl="1"/>
-            <a:r>
-              <a:rPr lang="fr-FR" dirty="0" err="1" smtClean="0"/>
-              <a:t>Create</a:t>
-            </a:r>
-            <a:r>
-              <a:rPr lang="fr-FR" dirty="0" smtClean="0"/>
-              <a:t> an </a:t>
-            </a:r>
-            <a:r>
-              <a:rPr lang="fr-FR" dirty="0" err="1" smtClean="0"/>
-              <a:t>instantiator</a:t>
-            </a:r>
-            <a:r>
-              <a:rPr lang="fr-FR" dirty="0" smtClean="0"/>
-              <a:t> to </a:t>
-            </a:r>
-            <a:r>
-              <a:rPr lang="fr-FR" dirty="0" err="1" smtClean="0"/>
-              <a:t>retrieve</a:t>
-            </a:r>
-            <a:r>
-              <a:rPr lang="fr-FR" dirty="0" smtClean="0"/>
-              <a:t> the user of a group</a:t>
-            </a:r>
-          </a:p>
-          <a:p>
-            <a:pPr lvl="1"/>
-            <a:r>
-              <a:rPr lang="fr-FR" dirty="0" smtClean="0"/>
-              <a:t>Configure a </a:t>
-            </a:r>
-            <a:r>
-              <a:rPr lang="fr-FR" dirty="0" err="1" smtClean="0"/>
-              <a:t>join</a:t>
-            </a:r>
-            <a:r>
-              <a:rPr lang="fr-FR" dirty="0" smtClean="0"/>
-              <a:t> </a:t>
-            </a:r>
-            <a:r>
-              <a:rPr lang="fr-FR" dirty="0" err="1" smtClean="0"/>
-              <a:t>checker</a:t>
-            </a:r>
-            <a:r>
-              <a:rPr lang="fr-FR" dirty="0" smtClean="0"/>
-              <a:t> to </a:t>
-            </a:r>
-            <a:r>
-              <a:rPr lang="fr-FR" dirty="0" err="1" smtClean="0"/>
-              <a:t>wait</a:t>
-            </a:r>
-            <a:r>
-              <a:rPr lang="fr-FR" dirty="0" smtClean="0"/>
-              <a:t> for all votes</a:t>
-            </a:r>
-          </a:p>
-          <a:p>
-            <a:pPr lvl="1"/>
-            <a:r>
-              <a:rPr lang="fr-FR" dirty="0" smtClean="0"/>
-              <a:t>Store the data by </a:t>
-            </a:r>
-            <a:r>
-              <a:rPr lang="fr-FR" dirty="0" err="1" smtClean="0"/>
-              <a:t>sending</a:t>
-            </a:r>
-            <a:r>
-              <a:rPr lang="fr-FR" dirty="0" smtClean="0"/>
-              <a:t> the vote to the </a:t>
-            </a:r>
-            <a:r>
-              <a:rPr lang="fr-FR" dirty="0" err="1" smtClean="0"/>
-              <a:t>webapp</a:t>
-            </a:r>
-            <a:endParaRPr lang="fr-FR" dirty="0" smtClean="0"/>
-          </a:p>
-          <a:p>
-            <a:r>
-              <a:rPr lang="fr-FR" dirty="0" err="1" smtClean="0"/>
-              <a:t>Compute</a:t>
-            </a:r>
-            <a:r>
-              <a:rPr lang="fr-FR" dirty="0" smtClean="0"/>
-              <a:t> the </a:t>
-            </a:r>
-            <a:r>
-              <a:rPr lang="fr-FR" dirty="0" err="1" smtClean="0"/>
-              <a:t>results</a:t>
-            </a:r>
-            <a:endParaRPr lang="fr-FR" dirty="0"/>
-          </a:p>
-          <a:p>
-            <a:pPr lvl="1"/>
-            <a:r>
-              <a:rPr lang="fr-FR" dirty="0" smtClean="0"/>
-              <a:t>Just a simple </a:t>
-            </a:r>
-            <a:r>
-              <a:rPr lang="fr-FR" dirty="0" err="1" smtClean="0"/>
-              <a:t>groovy</a:t>
-            </a:r>
-            <a:r>
-              <a:rPr lang="fr-FR" dirty="0" smtClean="0"/>
-              <a:t> script</a:t>
-            </a:r>
-          </a:p>
-          <a:p>
-            <a:r>
-              <a:rPr lang="fr-FR" dirty="0" smtClean="0"/>
-              <a:t>And of course… </a:t>
-            </a:r>
-            <a:r>
-              <a:rPr lang="fr-FR" dirty="0" err="1" smtClean="0"/>
-              <a:t>notify</a:t>
-            </a:r>
-            <a:r>
-              <a:rPr lang="fr-FR" dirty="0" smtClean="0"/>
-              <a:t> the </a:t>
-            </a:r>
-            <a:r>
-              <a:rPr lang="fr-FR" dirty="0" err="1" smtClean="0"/>
-              <a:t>submitter</a:t>
-            </a:r>
-            <a:r>
-              <a:rPr lang="fr-FR" dirty="0" smtClean="0"/>
-              <a:t> !</a:t>
-            </a:r>
-          </a:p>
-        </p:txBody>
-      </p:sp>
-    </p:spTree>
-    <p:extLst>
-      <p:ext uri="{BB962C8B-B14F-4D97-AF65-F5344CB8AC3E}">
-        <p14:creationId xmlns:p14="http://schemas.microsoft.com/office/powerpoint/2010/main" val="35341199"/>
-      </p:ext>
-    </p:extLst>
-  </p:cSld>
-  <p:clrMapOvr>
-    <a:masterClrMapping/>
-  </p:clrMapOvr>
-  <p:timing>
-    <p:tnLst>
-      <p:par>
-        <p:cTn id="1" dur="indefinite" restart="never" nodeType="tmRoot"/>
-      </p:par>
-    </p:tnLst>
-  </p:timing>
-</p:sld>
-</file>
-
 <file path=ppt/slides/slide19.xml><?xml version="1.0" encoding="utf-8"?>
 <p:sld xmlns:a="http://schemas.openxmlformats.org/drawingml/2006/main" xmlns:r="http://schemas.openxmlformats.org/officeDocument/2006/relationships" xmlns:p="http://schemas.openxmlformats.org/presentationml/2006/main">
   <p:cSld>
@@ -15768,7 +15875,14 @@
             </a:r>
             <a:r>
               <a:rPr lang="fr-FR" dirty="0" smtClean="0"/>
-              <a:t> #4</a:t>
+              <a:t> #3</a:t>
+            </a:r>
+            <a:br>
+              <a:rPr lang="fr-FR" dirty="0" smtClean="0"/>
+            </a:br>
+            <a:r>
+              <a:rPr lang="fr-FR" sz="2400" dirty="0" smtClean="0"/>
+              <a:t>Solution</a:t>
             </a:r>
             <a:endParaRPr lang="fr-FR" dirty="0"/>
           </a:p>
@@ -15776,109 +15890,129 @@
       </p:sp>
       <p:sp>
         <p:nvSpPr>
-          <p:cNvPr id="7" name="ZoneTexte 6"/>
-          <p:cNvSpPr txBox="1"/>
-          <p:nvPr/>
+          <p:cNvPr id="5" name="Espace réservé du contenu 2"/>
+          <p:cNvSpPr>
+            <a:spLocks noGrp="1"/>
+          </p:cNvSpPr>
+          <p:nvPr>
+            <p:ph idx="1"/>
+          </p:nvPr>
         </p:nvSpPr>
         <p:spPr>
           <a:xfrm>
-            <a:off x="1691680" y="2420888"/>
-            <a:ext cx="4896544" cy="2573691"/>
+            <a:off x="457200" y="1600200"/>
+            <a:ext cx="7620000" cy="4800600"/>
           </a:xfrm>
-          <a:prstGeom prst="rect">
-            <a:avLst/>
-          </a:prstGeom>
-          <a:solidFill>
-            <a:schemeClr val="bg1"/>
-          </a:solidFill>
-          <a:ln>
-            <a:solidFill>
-              <a:schemeClr val="accent1">
-                <a:shade val="95000"/>
-                <a:satMod val="105000"/>
-              </a:schemeClr>
-            </a:solidFill>
-          </a:ln>
-          <a:effectLst>
-            <a:outerShdw blurRad="50800" dist="38100" dir="2700000" algn="tl" rotWithShape="0">
-              <a:prstClr val="black">
-                <a:alpha val="40000"/>
-              </a:prstClr>
-            </a:outerShdw>
-          </a:effectLst>
         </p:spPr>
         <p:txBody>
-          <a:bodyPr wrap="square" lIns="360000" tIns="360000" rIns="360000" bIns="360000" rtlCol="0">
-            <a:spAutoFit/>
+          <a:bodyPr>
+            <a:normAutofit/>
           </a:bodyPr>
           <a:lstStyle/>
           <a:p>
-            <a:pPr algn="r"/>
-            <a:r>
-              <a:rPr lang="fr-FR" sz="4000" dirty="0" smtClean="0">
-                <a:solidFill>
-                  <a:schemeClr val="accent1">
-                    <a:lumMod val="75000"/>
-                  </a:schemeClr>
-                </a:solidFill>
-              </a:rPr>
-              <a:t>Show </a:t>
-            </a:r>
-            <a:r>
-              <a:rPr lang="fr-FR" sz="4000" dirty="0" err="1" smtClean="0">
-                <a:solidFill>
-                  <a:schemeClr val="accent1">
-                    <a:lumMod val="75000"/>
-                  </a:schemeClr>
-                </a:solidFill>
-              </a:rPr>
-              <a:t>validated</a:t>
-            </a:r>
-            <a:r>
-              <a:rPr lang="fr-FR" sz="4000" dirty="0" smtClean="0">
-                <a:solidFill>
-                  <a:schemeClr val="accent1">
-                    <a:lumMod val="75000"/>
-                  </a:schemeClr>
-                </a:solidFill>
-              </a:rPr>
-              <a:t> </a:t>
-            </a:r>
-            <a:r>
-              <a:rPr lang="fr-FR" sz="4000" dirty="0" err="1" smtClean="0">
-                <a:solidFill>
-                  <a:schemeClr val="accent1">
-                    <a:lumMod val="75000"/>
-                  </a:schemeClr>
-                </a:solidFill>
-              </a:rPr>
-              <a:t>papers</a:t>
-            </a:r>
-            <a:r>
-              <a:rPr lang="fr-FR" sz="4000" dirty="0" smtClean="0">
-                <a:solidFill>
-                  <a:schemeClr val="accent1">
-                    <a:lumMod val="75000"/>
-                  </a:schemeClr>
-                </a:solidFill>
-              </a:rPr>
-              <a:t> on the web application</a:t>
-            </a:r>
-            <a:endParaRPr lang="fr-FR" sz="4000" dirty="0">
-              <a:solidFill>
-                <a:schemeClr val="accent1">
-                  <a:lumMod val="75000"/>
-                </a:schemeClr>
-              </a:solidFill>
-            </a:endParaRPr>
+            <a:r>
+              <a:rPr lang="fr-FR" sz="2800" dirty="0" smtClean="0"/>
+              <a:t>Upgrade the </a:t>
+            </a:r>
+            <a:r>
+              <a:rPr lang="fr-FR" sz="2800" dirty="0" err="1" smtClean="0"/>
+              <a:t>process</a:t>
+            </a:r>
+            <a:r>
+              <a:rPr lang="fr-FR" sz="2800" dirty="0" smtClean="0"/>
+              <a:t> to </a:t>
+            </a:r>
+            <a:r>
+              <a:rPr lang="fr-FR" sz="2800" dirty="0" err="1" smtClean="0"/>
+              <a:t>ask</a:t>
+            </a:r>
+            <a:r>
+              <a:rPr lang="fr-FR" sz="2800" dirty="0" smtClean="0"/>
+              <a:t> for a vote</a:t>
+            </a:r>
+          </a:p>
+          <a:p>
+            <a:r>
+              <a:rPr lang="fr-FR" sz="2800" dirty="0" smtClean="0"/>
+              <a:t>Multi </a:t>
+            </a:r>
+            <a:r>
+              <a:rPr lang="fr-FR" sz="2800" dirty="0" err="1" smtClean="0"/>
+              <a:t>instantiate</a:t>
+            </a:r>
+            <a:r>
+              <a:rPr lang="fr-FR" sz="2800" dirty="0" smtClean="0"/>
+              <a:t> the vote </a:t>
+            </a:r>
+            <a:r>
+              <a:rPr lang="fr-FR" sz="2800" dirty="0" err="1" smtClean="0"/>
+              <a:t>task</a:t>
+            </a:r>
+            <a:endParaRPr lang="fr-FR" sz="2800" dirty="0"/>
+          </a:p>
+          <a:p>
+            <a:r>
+              <a:rPr lang="fr-FR" sz="2800" dirty="0" smtClean="0"/>
+              <a:t>Store the data by </a:t>
+            </a:r>
+            <a:r>
+              <a:rPr lang="fr-FR" sz="2800" dirty="0" err="1" smtClean="0"/>
+              <a:t>sending</a:t>
+            </a:r>
+            <a:r>
+              <a:rPr lang="fr-FR" sz="2800" dirty="0" smtClean="0"/>
+              <a:t> the vote to the </a:t>
+            </a:r>
+            <a:r>
+              <a:rPr lang="fr-FR" sz="2800" dirty="0" err="1" smtClean="0"/>
+              <a:t>webapp</a:t>
+            </a:r>
+            <a:endParaRPr lang="fr-FR" sz="2800" dirty="0" smtClean="0"/>
+          </a:p>
+          <a:p>
+            <a:r>
+              <a:rPr lang="fr-FR" sz="2800" dirty="0" err="1" smtClean="0"/>
+              <a:t>Compute</a:t>
+            </a:r>
+            <a:r>
+              <a:rPr lang="fr-FR" sz="2800" dirty="0" smtClean="0"/>
+              <a:t> the </a:t>
+            </a:r>
+            <a:r>
+              <a:rPr lang="fr-FR" sz="2800" dirty="0" err="1" smtClean="0"/>
+              <a:t>results</a:t>
+            </a:r>
+            <a:endParaRPr lang="fr-FR" sz="2800" dirty="0"/>
+          </a:p>
+          <a:p>
+            <a:r>
+              <a:rPr lang="fr-FR" sz="2800" dirty="0" smtClean="0"/>
+              <a:t>And of course… </a:t>
+            </a:r>
+            <a:r>
+              <a:rPr lang="fr-FR" sz="2800" dirty="0" err="1" smtClean="0"/>
+              <a:t>notify</a:t>
+            </a:r>
+            <a:r>
+              <a:rPr lang="fr-FR" sz="2800" dirty="0" smtClean="0"/>
+              <a:t> the </a:t>
+            </a:r>
+            <a:r>
+              <a:rPr lang="fr-FR" sz="2800" dirty="0" err="1" smtClean="0"/>
+              <a:t>submitter</a:t>
+            </a:r>
+            <a:r>
+              <a:rPr lang="fr-FR" sz="2800" dirty="0" smtClean="0"/>
+              <a:t> !</a:t>
+            </a:r>
           </a:p>
         </p:txBody>
       </p:sp>
       <p:pic>
         <p:nvPicPr>
-          <p:cNvPr id="8" name="Picture 4" descr="http://upload.wikimedia.org/wikipedia/commons/b/b5/Crystal_Clear_app_ksirtet.png"/>
+          <p:cNvPr id="3" name="Image 2"/>
           <p:cNvPicPr>
-            <a:picLocks noChangeAspect="1" noChangeArrowheads="1"/>
+            <a:picLocks noChangeAspect="1"/>
           </p:cNvPicPr>
           <p:nvPr/>
         </p:nvPicPr>
@@ -15890,35 +16024,40 @@
               </a:ext>
             </a:extLst>
           </a:blip>
-          <a:srcRect/>
           <a:stretch>
             <a:fillRect/>
           </a:stretch>
         </p:blipFill>
-        <p:spPr bwMode="auto">
+        <p:spPr>
           <a:xfrm>
-            <a:off x="1835696" y="2564904"/>
-            <a:ext cx="864096" cy="864097"/>
+            <a:off x="1619672" y="5085184"/>
+            <a:ext cx="5019048" cy="1104762"/>
           </a:xfrm>
-          <a:prstGeom prst="rect">
-            <a:avLst/>
+          <a:prstGeom prst="round2DiagRect">
+            <a:avLst>
+              <a:gd name="adj1" fmla="val 16667"/>
+              <a:gd name="adj2" fmla="val 0"/>
+            </a:avLst>
           </a:prstGeom>
-          <a:noFill/>
-          <a:extLst>
-            <a:ext uri="{909E8E84-426E-40DD-AFC4-6F175D3DCCD1}">
-              <a14:hiddenFill xmlns:a14="http://schemas.microsoft.com/office/drawing/2010/main">
-                <a:solidFill>
-                  <a:srgbClr val="FFFFFF"/>
-                </a:solidFill>
-              </a14:hiddenFill>
-            </a:ext>
-          </a:extLst>
+          <a:ln w="88900" cap="sq">
+            <a:solidFill>
+              <a:srgbClr val="FFFFFF"/>
+            </a:solidFill>
+            <a:miter lim="800000"/>
+          </a:ln>
+          <a:effectLst>
+            <a:outerShdw blurRad="254000" algn="tl" rotWithShape="0">
+              <a:srgbClr val="000000">
+                <a:alpha val="43000"/>
+              </a:srgbClr>
+            </a:outerShdw>
+          </a:effectLst>
         </p:spPr>
       </p:pic>
     </p:spTree>
     <p:extLst>
       <p:ext uri="{BB962C8B-B14F-4D97-AF65-F5344CB8AC3E}">
-        <p14:creationId xmlns:p14="http://schemas.microsoft.com/office/powerpoint/2010/main" val="3191654005"/>
+        <p14:creationId xmlns:p14="http://schemas.microsoft.com/office/powerpoint/2010/main" val="35341199"/>
       </p:ext>
     </p:extLst>
   </p:cSld>
@@ -16414,91 +16553,152 @@
               <a:rPr lang="fr-FR" dirty="0" smtClean="0"/>
               <a:t> #4</a:t>
             </a:r>
-            <a:br>
-              <a:rPr lang="fr-FR" dirty="0" smtClean="0"/>
-            </a:br>
-            <a:r>
-              <a:rPr lang="fr-FR" sz="2400" dirty="0" smtClean="0"/>
-              <a:t>Solution</a:t>
-            </a:r>
             <a:endParaRPr lang="fr-FR" dirty="0"/>
           </a:p>
         </p:txBody>
       </p:sp>
       <p:sp>
         <p:nvSpPr>
-          <p:cNvPr id="5" name="Espace réservé du contenu 2"/>
-          <p:cNvSpPr>
-            <a:spLocks noGrp="1"/>
-          </p:cNvSpPr>
-          <p:nvPr>
-            <p:ph idx="1"/>
-          </p:nvPr>
+          <p:cNvPr id="7" name="ZoneTexte 6"/>
+          <p:cNvSpPr txBox="1"/>
+          <p:nvPr/>
         </p:nvSpPr>
         <p:spPr>
           <a:xfrm>
-            <a:off x="457200" y="1600200"/>
-            <a:ext cx="7620000" cy="4800600"/>
+            <a:off x="1691680" y="2420888"/>
+            <a:ext cx="4896544" cy="2573691"/>
           </a:xfrm>
+          <a:prstGeom prst="rect">
+            <a:avLst/>
+          </a:prstGeom>
+          <a:ln/>
         </p:spPr>
-        <p:txBody>
-          <a:bodyPr/>
+        <p:style>
+          <a:lnRef idx="1">
+            <a:schemeClr val="accent1"/>
+          </a:lnRef>
+          <a:fillRef idx="2">
+            <a:schemeClr val="accent1"/>
+          </a:fillRef>
+          <a:effectRef idx="1">
+            <a:schemeClr val="accent1"/>
+          </a:effectRef>
+          <a:fontRef idx="minor">
+            <a:schemeClr val="dk1"/>
+          </a:fontRef>
+        </p:style>
+        <p:txBody>
+          <a:bodyPr wrap="square" lIns="360000" tIns="360000" rIns="360000" bIns="360000" rtlCol="0">
+            <a:spAutoFit/>
+          </a:bodyPr>
           <a:lstStyle/>
           <a:p>
-            <a:r>
-              <a:rPr lang="fr-FR" dirty="0" err="1" smtClean="0"/>
-              <a:t>Add</a:t>
-            </a:r>
-            <a:r>
-              <a:rPr lang="fr-FR" dirty="0" smtClean="0"/>
-              <a:t> a state for the </a:t>
-            </a:r>
-            <a:r>
-              <a:rPr lang="fr-FR" dirty="0" err="1" smtClean="0"/>
-              <a:t>paper</a:t>
-            </a:r>
-            <a:r>
-              <a:rPr lang="fr-FR" dirty="0" smtClean="0"/>
-              <a:t> business </a:t>
-            </a:r>
-            <a:r>
-              <a:rPr lang="fr-FR" dirty="0" err="1" smtClean="0"/>
-              <a:t>object</a:t>
-            </a:r>
-            <a:endParaRPr lang="fr-FR" dirty="0" smtClean="0"/>
-          </a:p>
-          <a:p>
-            <a:r>
-              <a:rPr lang="fr-FR" dirty="0" err="1" smtClean="0"/>
-              <a:t>Only</a:t>
-            </a:r>
-            <a:r>
-              <a:rPr lang="fr-FR" dirty="0" smtClean="0"/>
-              <a:t> show </a:t>
-            </a:r>
-            <a:r>
-              <a:rPr lang="fr-FR" dirty="0" err="1" smtClean="0"/>
+            <a:pPr algn="r"/>
+            <a:r>
+              <a:rPr lang="fr-FR" sz="4000" dirty="0" smtClean="0">
+                <a:solidFill>
+                  <a:schemeClr val="accent1">
+                    <a:lumMod val="75000"/>
+                  </a:schemeClr>
+                </a:solidFill>
+              </a:rPr>
+              <a:t>Show </a:t>
+            </a:r>
+            <a:r>
+              <a:rPr lang="fr-FR" sz="4000" dirty="0" err="1" smtClean="0">
+                <a:solidFill>
+                  <a:schemeClr val="accent1">
+                    <a:lumMod val="75000"/>
+                  </a:schemeClr>
+                </a:solidFill>
+              </a:rPr>
+              <a:t>validated</a:t>
+            </a:r>
+            <a:r>
+              <a:rPr lang="fr-FR" sz="4000" dirty="0" smtClean="0">
+                <a:solidFill>
+                  <a:schemeClr val="accent1">
+                    <a:lumMod val="75000"/>
+                  </a:schemeClr>
+                </a:solidFill>
+              </a:rPr>
+              <a:t> </a:t>
+            </a:r>
+            <a:r>
+              <a:rPr lang="fr-FR" sz="4000" dirty="0" err="1" smtClean="0">
+                <a:solidFill>
+                  <a:schemeClr val="accent1">
+                    <a:lumMod val="75000"/>
+                  </a:schemeClr>
+                </a:solidFill>
+              </a:rPr>
               <a:t>papers</a:t>
             </a:r>
             <a:r>
-              <a:rPr lang="fr-FR" dirty="0" smtClean="0"/>
-              <a:t> </a:t>
-            </a:r>
-            <a:r>
-              <a:rPr lang="fr-FR" dirty="0" err="1" smtClean="0"/>
-              <a:t>with</a:t>
-            </a:r>
-            <a:r>
-              <a:rPr lang="fr-FR" dirty="0" smtClean="0"/>
-              <a:t> ACCEPTED state</a:t>
-            </a:r>
-          </a:p>
-        </p:txBody>
-      </p:sp>
+              <a:rPr lang="fr-FR" sz="4000" dirty="0" smtClean="0">
+                <a:solidFill>
+                  <a:schemeClr val="accent1">
+                    <a:lumMod val="75000"/>
+                  </a:schemeClr>
+                </a:solidFill>
+              </a:rPr>
+              <a:t> on the web application</a:t>
+            </a:r>
+            <a:endParaRPr lang="fr-FR" sz="4000" dirty="0">
+              <a:solidFill>
+                <a:schemeClr val="accent1">
+                  <a:lumMod val="75000"/>
+                </a:schemeClr>
+              </a:solidFill>
+            </a:endParaRPr>
+          </a:p>
+        </p:txBody>
+      </p:sp>
+      <p:pic>
+        <p:nvPicPr>
+          <p:cNvPr id="8" name="Picture 4" descr="http://upload.wikimedia.org/wikipedia/commons/b/b5/Crystal_Clear_app_ksirtet.png"/>
+          <p:cNvPicPr>
+            <a:picLocks noChangeAspect="1" noChangeArrowheads="1"/>
+          </p:cNvPicPr>
+          <p:nvPr/>
+        </p:nvPicPr>
+        <p:blipFill>
+          <a:blip r:embed="rId2">
+            <a:extLst>
+              <a:ext uri="{28A0092B-C50C-407E-A947-70E740481C1C}">
+                <a14:useLocalDpi xmlns:a14="http://schemas.microsoft.com/office/drawing/2010/main" val="0"/>
+              </a:ext>
+            </a:extLst>
+          </a:blip>
+          <a:srcRect/>
+          <a:stretch>
+            <a:fillRect/>
+          </a:stretch>
+        </p:blipFill>
+        <p:spPr bwMode="auto">
+          <a:xfrm>
+            <a:off x="1835696" y="2564904"/>
+            <a:ext cx="864096" cy="864097"/>
+          </a:xfrm>
+          <a:prstGeom prst="rect">
+            <a:avLst/>
+          </a:prstGeom>
+          <a:noFill/>
+          <a:extLst>
+            <a:ext uri="{909E8E84-426E-40DD-AFC4-6F175D3DCCD1}">
+              <a14:hiddenFill xmlns:a14="http://schemas.microsoft.com/office/drawing/2010/main">
+                <a:solidFill>
+                  <a:srgbClr val="FFFFFF"/>
+                </a:solidFill>
+              </a14:hiddenFill>
+            </a:ext>
+          </a:extLst>
+        </p:spPr>
+      </p:pic>
     </p:spTree>
     <p:extLst>
       <p:ext uri="{BB962C8B-B14F-4D97-AF65-F5344CB8AC3E}">
-        <p14:creationId xmlns:p14="http://schemas.microsoft.com/office/powerpoint/2010/main" val="498069405"/>
+        <p14:creationId xmlns:p14="http://schemas.microsoft.com/office/powerpoint/2010/main" val="3191654005"/>
       </p:ext>
     </p:extLst>
   </p:cSld>
@@ -16561,6 +16761,203 @@
             </a:r>
             <a:r>
               <a:rPr lang="fr-FR" dirty="0" smtClean="0"/>
+              <a:t> #4</a:t>
+            </a:r>
+            <a:br>
+              <a:rPr lang="fr-FR" dirty="0" smtClean="0"/>
+            </a:br>
+            <a:r>
+              <a:rPr lang="fr-FR" sz="2400" dirty="0" smtClean="0"/>
+              <a:t>Solution</a:t>
+            </a:r>
+            <a:endParaRPr lang="fr-FR" dirty="0"/>
+          </a:p>
+        </p:txBody>
+      </p:sp>
+      <p:sp>
+        <p:nvSpPr>
+          <p:cNvPr id="5" name="Espace réservé du contenu 2"/>
+          <p:cNvSpPr>
+            <a:spLocks noGrp="1"/>
+          </p:cNvSpPr>
+          <p:nvPr>
+            <p:ph idx="1"/>
+          </p:nvPr>
+        </p:nvSpPr>
+        <p:spPr>
+          <a:xfrm>
+            <a:off x="457200" y="1600200"/>
+            <a:ext cx="7620000" cy="1540768"/>
+          </a:xfrm>
+        </p:spPr>
+        <p:txBody>
+          <a:bodyPr>
+            <a:normAutofit/>
+          </a:bodyPr>
+          <a:lstStyle/>
+          <a:p>
+            <a:r>
+              <a:rPr lang="fr-FR" sz="2800" dirty="0" err="1" smtClean="0"/>
+              <a:t>Add</a:t>
+            </a:r>
+            <a:r>
+              <a:rPr lang="fr-FR" sz="2800" dirty="0" smtClean="0"/>
+              <a:t> a state for the </a:t>
+            </a:r>
+            <a:r>
+              <a:rPr lang="fr-FR" sz="2800" dirty="0" err="1" smtClean="0"/>
+              <a:t>paper</a:t>
+            </a:r>
+            <a:r>
+              <a:rPr lang="fr-FR" sz="2800" dirty="0" smtClean="0"/>
+              <a:t> business </a:t>
+            </a:r>
+            <a:r>
+              <a:rPr lang="fr-FR" sz="2800" dirty="0" err="1" smtClean="0"/>
+              <a:t>object</a:t>
+            </a:r>
+            <a:endParaRPr lang="fr-FR" sz="2800" dirty="0" smtClean="0"/>
+          </a:p>
+          <a:p>
+            <a:r>
+              <a:rPr lang="fr-FR" sz="2800" dirty="0" err="1" smtClean="0"/>
+              <a:t>Only</a:t>
+            </a:r>
+            <a:r>
+              <a:rPr lang="fr-FR" sz="2800" dirty="0" smtClean="0"/>
+              <a:t> show </a:t>
+            </a:r>
+            <a:r>
+              <a:rPr lang="fr-FR" sz="2800" dirty="0" err="1" smtClean="0"/>
+              <a:t>papers</a:t>
+            </a:r>
+            <a:r>
+              <a:rPr lang="fr-FR" sz="2800" dirty="0" smtClean="0"/>
+              <a:t> </a:t>
+            </a:r>
+            <a:r>
+              <a:rPr lang="fr-FR" sz="2800" dirty="0" err="1" smtClean="0"/>
+              <a:t>with</a:t>
+            </a:r>
+            <a:r>
+              <a:rPr lang="fr-FR" sz="2800" dirty="0" smtClean="0"/>
+              <a:t> ACCEPTED state</a:t>
+            </a:r>
+          </a:p>
+        </p:txBody>
+      </p:sp>
+      <p:pic>
+        <p:nvPicPr>
+          <p:cNvPr id="3" name="Image 2"/>
+          <p:cNvPicPr>
+            <a:picLocks noChangeAspect="1"/>
+          </p:cNvPicPr>
+          <p:nvPr/>
+        </p:nvPicPr>
+        <p:blipFill>
+          <a:blip r:embed="rId2">
+            <a:extLst>
+              <a:ext uri="{28A0092B-C50C-407E-A947-70E740481C1C}">
+                <a14:useLocalDpi xmlns:a14="http://schemas.microsoft.com/office/drawing/2010/main" val="0"/>
+              </a:ext>
+            </a:extLst>
+          </a:blip>
+          <a:stretch>
+            <a:fillRect/>
+          </a:stretch>
+        </p:blipFill>
+        <p:spPr>
+          <a:xfrm>
+            <a:off x="1043608" y="3140968"/>
+            <a:ext cx="6370108" cy="3357338"/>
+          </a:xfrm>
+          <a:prstGeom prst="round2DiagRect">
+            <a:avLst>
+              <a:gd name="adj1" fmla="val 16667"/>
+              <a:gd name="adj2" fmla="val 0"/>
+            </a:avLst>
+          </a:prstGeom>
+          <a:ln w="88900" cap="sq">
+            <a:solidFill>
+              <a:srgbClr val="FFFFFF"/>
+            </a:solidFill>
+            <a:miter lim="800000"/>
+          </a:ln>
+          <a:effectLst>
+            <a:outerShdw blurRad="254000" algn="tl" rotWithShape="0">
+              <a:srgbClr val="000000">
+                <a:alpha val="43000"/>
+              </a:srgbClr>
+            </a:outerShdw>
+          </a:effectLst>
+        </p:spPr>
+      </p:pic>
+    </p:spTree>
+    <p:extLst>
+      <p:ext uri="{BB962C8B-B14F-4D97-AF65-F5344CB8AC3E}">
+        <p14:creationId xmlns:p14="http://schemas.microsoft.com/office/powerpoint/2010/main" val="498069405"/>
+      </p:ext>
+    </p:extLst>
+  </p:cSld>
+  <p:clrMapOvr>
+    <a:masterClrMapping/>
+  </p:clrMapOvr>
+  <p:timing>
+    <p:tnLst>
+      <p:par>
+        <p:cTn id="1" dur="indefinite" restart="never" nodeType="tmRoot"/>
+      </p:par>
+    </p:tnLst>
+  </p:timing>
+</p:sld>
+</file>
+
+<file path=ppt/slides/slide22.xml><?xml version="1.0" encoding="utf-8"?>
+<p:sld xmlns:a="http://schemas.openxmlformats.org/drawingml/2006/main" xmlns:r="http://schemas.openxmlformats.org/officeDocument/2006/relationships" xmlns:p="http://schemas.openxmlformats.org/presentationml/2006/main">
+  <p:cSld>
+    <p:spTree>
+      <p:nvGrpSpPr>
+        <p:cNvPr id="1" name=""/>
+        <p:cNvGrpSpPr/>
+        <p:nvPr/>
+      </p:nvGrpSpPr>
+      <p:grpSpPr>
+        <a:xfrm>
+          <a:off x="0" y="0"/>
+          <a:ext cx="0" cy="0"/>
+          <a:chOff x="0" y="0"/>
+          <a:chExt cx="0" cy="0"/>
+        </a:xfrm>
+      </p:grpSpPr>
+      <p:sp>
+        <p:nvSpPr>
+          <p:cNvPr id="2" name="Titre 1"/>
+          <p:cNvSpPr>
+            <a:spLocks noGrp="1"/>
+          </p:cNvSpPr>
+          <p:nvPr>
+            <p:ph type="title"/>
+          </p:nvPr>
+        </p:nvSpPr>
+        <p:spPr/>
+        <p:txBody>
+          <a:bodyPr/>
+          <a:lstStyle/>
+          <a:p>
+            <a:r>
+              <a:rPr lang="fr-FR" dirty="0" err="1" smtClean="0"/>
+              <a:t>Feature</a:t>
+            </a:r>
+            <a:r>
+              <a:rPr lang="fr-FR" dirty="0" smtClean="0"/>
+              <a:t> </a:t>
+            </a:r>
+            <a:r>
+              <a:rPr lang="fr-FR" dirty="0" err="1" smtClean="0"/>
+              <a:t>request</a:t>
+            </a:r>
+            <a:r>
+              <a:rPr lang="fr-FR" dirty="0" smtClean="0"/>
               <a:t> #5</a:t>
             </a:r>
             <a:endParaRPr lang="fr-FR" dirty="0"/>
@@ -16581,25 +16978,22 @@
           <a:prstGeom prst="rect">
             <a:avLst/>
           </a:prstGeom>
-          <a:solidFill>
-            <a:schemeClr val="bg1"/>
-          </a:solidFill>
-          <a:ln>
-            <a:solidFill>
-              <a:schemeClr val="accent1">
-                <a:shade val="95000"/>
-                <a:satMod val="105000"/>
-              </a:schemeClr>
-            </a:solidFill>
-          </a:ln>
-          <a:effectLst>
-            <a:outerShdw blurRad="50800" dist="38100" dir="2700000" algn="tl" rotWithShape="0">
-              <a:prstClr val="black">
-                <a:alpha val="40000"/>
-              </a:prstClr>
-            </a:outerShdw>
-          </a:effectLst>
+          <a:ln/>
         </p:spPr>
+        <p:style>
+          <a:lnRef idx="1">
+            <a:schemeClr val="accent1"/>
+          </a:lnRef>
+          <a:fillRef idx="2">
+            <a:schemeClr val="accent1"/>
+          </a:fillRef>
+          <a:effectRef idx="1">
+            <a:schemeClr val="accent1"/>
+          </a:effectRef>
+          <a:fontRef idx="minor">
+            <a:schemeClr val="dk1"/>
+          </a:fontRef>
+        </p:style>
         <p:txBody>
           <a:bodyPr wrap="square" lIns="360000" tIns="360000" rIns="360000" bIns="360000" rtlCol="0">
             <a:spAutoFit/>
@@ -16617,13 +17011,6 @@
               </a:rPr>
               <a:t>And how to </a:t>
             </a:r>
-            <a:endParaRPr lang="fr-FR" sz="4000" dirty="0" smtClean="0">
-              <a:solidFill>
-                <a:schemeClr val="accent1">
-                  <a:lumMod val="75000"/>
-                </a:schemeClr>
-              </a:solidFill>
-            </a:endParaRPr>
           </a:p>
           <a:p>
             <a:pPr algn="r"/>
@@ -16778,7 +17165,7 @@
 </p:sld>
 </file>
 
-<file path=ppt/slides/slide22.xml><?xml version="1.0" encoding="utf-8"?>
+<file path=ppt/slides/slide23.xml><?xml version="1.0" encoding="utf-8"?>
 <p:sld xmlns:a="http://schemas.openxmlformats.org/drawingml/2006/main" xmlns:r="http://schemas.openxmlformats.org/officeDocument/2006/relationships" xmlns:p="http://schemas.openxmlformats.org/presentationml/2006/main">
   <p:cSld>
     <p:spTree>
@@ -16850,43 +17237,299 @@
         <p:spPr>
           <a:xfrm>
             <a:off x="457200" y="1600200"/>
-            <a:ext cx="7620000" cy="4800600"/>
+            <a:ext cx="7620000" cy="1468760"/>
           </a:xfrm>
         </p:spPr>
         <p:txBody>
-          <a:bodyPr/>
+          <a:bodyPr>
+            <a:normAutofit/>
+          </a:bodyPr>
           <a:lstStyle/>
           <a:p>
             <a:r>
+              <a:rPr lang="fr-FR" sz="2800" dirty="0" smtClean="0"/>
+              <a:t>Use BEE REST API</a:t>
+            </a:r>
+          </a:p>
+          <a:p>
+            <a:r>
+              <a:rPr lang="fr-FR" sz="2800" dirty="0" err="1" smtClean="0"/>
+              <a:t>Instantiate</a:t>
+            </a:r>
+            <a:r>
+              <a:rPr lang="fr-FR" sz="2800" dirty="0" smtClean="0"/>
+              <a:t> </a:t>
+            </a:r>
+            <a:r>
+              <a:rPr lang="fr-FR" sz="2800" dirty="0" err="1" smtClean="0"/>
+              <a:t>Process</a:t>
+            </a:r>
+            <a:r>
+              <a:rPr lang="fr-FR" sz="2800" dirty="0" smtClean="0"/>
+              <a:t> </a:t>
+            </a:r>
+            <a:r>
+              <a:rPr lang="fr-FR" sz="2800" dirty="0" err="1" smtClean="0"/>
+              <a:t>With</a:t>
+            </a:r>
+            <a:r>
+              <a:rPr lang="fr-FR" sz="2800" dirty="0" smtClean="0"/>
+              <a:t> Variables</a:t>
+            </a:r>
+          </a:p>
+        </p:txBody>
+      </p:sp>
+      <p:sp>
+        <p:nvSpPr>
+          <p:cNvPr id="4" name="Rectangle à coins arrondis 3"/>
+          <p:cNvSpPr/>
+          <p:nvPr/>
+        </p:nvSpPr>
+        <p:spPr>
+          <a:xfrm>
+            <a:off x="827584" y="4797152"/>
+            <a:ext cx="2088232" cy="792088"/>
+          </a:xfrm>
+          <a:prstGeom prst="roundRect">
+            <a:avLst/>
+          </a:prstGeom>
+        </p:spPr>
+        <p:style>
+          <a:lnRef idx="0">
+            <a:schemeClr val="accent1"/>
+          </a:lnRef>
+          <a:fillRef idx="3">
+            <a:schemeClr val="accent1"/>
+          </a:fillRef>
+          <a:effectRef idx="3">
+            <a:schemeClr val="accent1"/>
+          </a:effectRef>
+          <a:fontRef idx="minor">
+            <a:schemeClr val="lt1"/>
+          </a:fontRef>
+        </p:style>
+        <p:txBody>
+          <a:bodyPr rtlCol="0" anchor="ctr"/>
+          <a:lstStyle/>
+          <a:p>
+            <a:pPr algn="ctr"/>
+            <a:r>
               <a:rPr lang="fr-FR" dirty="0" smtClean="0"/>
-              <a:t>Use BEE REST API</a:t>
-            </a:r>
-          </a:p>
-          <a:p>
+              <a:t>Call For </a:t>
+            </a:r>
             <a:r>
               <a:rPr lang="fr-FR" dirty="0" err="1" smtClean="0"/>
-              <a:t>Instantiate</a:t>
+              <a:t>Paper</a:t>
             </a:r>
             <a:r>
               <a:rPr lang="fr-FR" dirty="0" smtClean="0"/>
-              <a:t> </a:t>
+              <a:t> Application</a:t>
+            </a:r>
+            <a:endParaRPr lang="fr-FR" dirty="0"/>
+          </a:p>
+        </p:txBody>
+      </p:sp>
+      <p:sp>
+        <p:nvSpPr>
+          <p:cNvPr id="6" name="Rectangle à coins arrondis 5"/>
+          <p:cNvSpPr/>
+          <p:nvPr/>
+        </p:nvSpPr>
+        <p:spPr>
+          <a:xfrm>
+            <a:off x="5364088" y="4797152"/>
+            <a:ext cx="2088232" cy="792088"/>
+          </a:xfrm>
+          <a:prstGeom prst="roundRect">
+            <a:avLst/>
+          </a:prstGeom>
+        </p:spPr>
+        <p:style>
+          <a:lnRef idx="0">
+            <a:schemeClr val="accent1"/>
+          </a:lnRef>
+          <a:fillRef idx="3">
+            <a:schemeClr val="accent1"/>
+          </a:fillRef>
+          <a:effectRef idx="3">
+            <a:schemeClr val="accent1"/>
+          </a:effectRef>
+          <a:fontRef idx="minor">
+            <a:schemeClr val="lt1"/>
+          </a:fontRef>
+        </p:style>
+        <p:txBody>
+          <a:bodyPr rtlCol="0" anchor="ctr"/>
+          <a:lstStyle/>
+          <a:p>
+            <a:pPr algn="ctr"/>
+            <a:r>
+              <a:rPr lang="fr-FR" dirty="0" err="1" smtClean="0"/>
+              <a:t>Paper</a:t>
+            </a:r>
+            <a:r>
+              <a:rPr lang="fr-FR" dirty="0" smtClean="0"/>
+              <a:t> validation </a:t>
             </a:r>
             <a:r>
               <a:rPr lang="fr-FR" dirty="0" err="1" smtClean="0"/>
               <a:t>Process</a:t>
             </a:r>
-            <a:r>
-              <a:rPr lang="fr-FR" dirty="0" smtClean="0"/>
-              <a:t> </a:t>
-            </a:r>
-            <a:r>
-              <a:rPr lang="fr-FR" dirty="0" err="1" smtClean="0"/>
-              <a:t>With</a:t>
-            </a:r>
-            <a:r>
-              <a:rPr lang="fr-FR" dirty="0" smtClean="0"/>
-              <a:t> Variables</a:t>
-            </a:r>
+            <a:endParaRPr lang="fr-FR" dirty="0"/>
+          </a:p>
+        </p:txBody>
+      </p:sp>
+      <p:sp>
+        <p:nvSpPr>
+          <p:cNvPr id="7" name="Flèche courbée vers le bas 6"/>
+          <p:cNvSpPr/>
+          <p:nvPr/>
+        </p:nvSpPr>
+        <p:spPr>
+          <a:xfrm>
+            <a:off x="2591780" y="3950634"/>
+            <a:ext cx="3060340" cy="738506"/>
+          </a:xfrm>
+          <a:prstGeom prst="curvedDownArrow">
+            <a:avLst/>
+          </a:prstGeom>
+        </p:spPr>
+        <p:style>
+          <a:lnRef idx="1">
+            <a:schemeClr val="accent1"/>
+          </a:lnRef>
+          <a:fillRef idx="3">
+            <a:schemeClr val="accent1"/>
+          </a:fillRef>
+          <a:effectRef idx="2">
+            <a:schemeClr val="accent1"/>
+          </a:effectRef>
+          <a:fontRef idx="minor">
+            <a:schemeClr val="lt1"/>
+          </a:fontRef>
+        </p:style>
+        <p:txBody>
+          <a:bodyPr rtlCol="0" anchor="ctr"/>
+          <a:lstStyle/>
+          <a:p>
+            <a:pPr algn="ctr"/>
+            <a:endParaRPr lang="fr-FR">
+              <a:solidFill>
+                <a:schemeClr val="tx1"/>
+              </a:solidFill>
+            </a:endParaRPr>
+          </a:p>
+        </p:txBody>
+      </p:sp>
+      <p:sp>
+        <p:nvSpPr>
+          <p:cNvPr id="9" name="Rectangle 8"/>
+          <p:cNvSpPr/>
+          <p:nvPr/>
+        </p:nvSpPr>
+        <p:spPr>
+          <a:xfrm>
+            <a:off x="858618" y="3518586"/>
+            <a:ext cx="7128792" cy="338554"/>
+          </a:xfrm>
+          <a:prstGeom prst="rect">
+            <a:avLst/>
+          </a:prstGeom>
+        </p:spPr>
+        <p:txBody>
+          <a:bodyPr wrap="square">
+            <a:spAutoFit/>
+          </a:bodyPr>
+          <a:lstStyle/>
+          <a:p>
+            <a:pPr algn="ctr"/>
+            <a:r>
+              <a:rPr lang="fr-FR" sz="1600" dirty="0">
+                <a:solidFill>
+                  <a:schemeClr val="accent1">
+                    <a:lumMod val="50000"/>
+                  </a:schemeClr>
+                </a:solidFill>
+              </a:rPr>
+              <a:t>/</a:t>
+            </a:r>
+            <a:r>
+              <a:rPr lang="fr-FR" sz="1600" dirty="0" err="1">
+                <a:solidFill>
+                  <a:schemeClr val="accent1">
+                    <a:lumMod val="50000"/>
+                  </a:schemeClr>
+                </a:solidFill>
+              </a:rPr>
+              <a:t>bonita</a:t>
+            </a:r>
+            <a:r>
+              <a:rPr lang="fr-FR" sz="1600" dirty="0">
+                <a:solidFill>
+                  <a:schemeClr val="accent1">
+                    <a:lumMod val="50000"/>
+                  </a:schemeClr>
+                </a:solidFill>
+              </a:rPr>
+              <a:t>-server-</a:t>
+            </a:r>
+            <a:r>
+              <a:rPr lang="fr-FR" sz="1600" dirty="0" err="1">
+                <a:solidFill>
+                  <a:schemeClr val="accent1">
+                    <a:lumMod val="50000"/>
+                  </a:schemeClr>
+                </a:solidFill>
+              </a:rPr>
+              <a:t>rest</a:t>
+            </a:r>
+            <a:r>
+              <a:rPr lang="fr-FR" sz="1600" dirty="0">
+                <a:solidFill>
+                  <a:schemeClr val="accent1">
+                    <a:lumMod val="50000"/>
+                  </a:schemeClr>
+                </a:solidFill>
+              </a:rPr>
+              <a:t>/API/</a:t>
+            </a:r>
+            <a:r>
+              <a:rPr lang="fr-FR" sz="1600" dirty="0" err="1">
+                <a:solidFill>
+                  <a:schemeClr val="accent1">
+                    <a:lumMod val="50000"/>
+                  </a:schemeClr>
+                </a:solidFill>
+              </a:rPr>
+              <a:t>runtimeAPI</a:t>
+            </a:r>
+            <a:r>
+              <a:rPr lang="fr-FR" sz="1600" dirty="0">
+                <a:solidFill>
+                  <a:schemeClr val="accent1">
+                    <a:lumMod val="50000"/>
+                  </a:schemeClr>
+                </a:solidFill>
+              </a:rPr>
+              <a:t>/</a:t>
+            </a:r>
+            <a:r>
+              <a:rPr lang="fr-FR" sz="1600" dirty="0" err="1">
+                <a:solidFill>
+                  <a:schemeClr val="accent1">
+                    <a:lumMod val="50000"/>
+                  </a:schemeClr>
+                </a:solidFill>
+              </a:rPr>
+              <a:t>instantiateProcessWithVariables</a:t>
+            </a:r>
+            <a:endParaRPr lang="fr-FR" sz="1600" dirty="0">
+              <a:solidFill>
+                <a:schemeClr val="accent1">
+                  <a:lumMod val="50000"/>
+                </a:schemeClr>
+              </a:solidFill>
+            </a:endParaRPr>
           </a:p>
         </p:txBody>
       </p:sp>
@@ -16910,7 +17553,7 @@
 </p:sld>
 </file>
 
-<file path=ppt/slides/slide23.xml><?xml version="1.0" encoding="utf-8"?>
+<file path=ppt/slides/slide24.xml><?xml version="1.0" encoding="utf-8"?>
 <p:sld xmlns:a="http://schemas.openxmlformats.org/drawingml/2006/main" xmlns:r="http://schemas.openxmlformats.org/officeDocument/2006/relationships" xmlns:p="http://schemas.openxmlformats.org/presentationml/2006/main">
   <p:cSld>
     <p:spTree>
@@ -16974,132 +17617,134 @@
         </p:nvSpPr>
         <p:spPr/>
         <p:txBody>
-          <a:bodyPr/>
+          <a:bodyPr>
+            <a:normAutofit/>
+          </a:bodyPr>
           <a:lstStyle/>
           <a:p>
             <a:r>
-              <a:rPr lang="fr-FR" dirty="0" err="1" smtClean="0"/>
+              <a:rPr lang="fr-FR" sz="2800" dirty="0" err="1" smtClean="0"/>
               <a:t>Handle</a:t>
             </a:r>
             <a:r>
-              <a:rPr lang="fr-FR" dirty="0" smtClean="0"/>
+              <a:rPr lang="fr-FR" sz="2800" dirty="0" smtClean="0"/>
               <a:t> </a:t>
             </a:r>
             <a:r>
-              <a:rPr lang="fr-FR" dirty="0" err="1" smtClean="0"/>
+              <a:rPr lang="fr-FR" sz="2800" dirty="0" err="1" smtClean="0"/>
               <a:t>errors</a:t>
             </a:r>
-            <a:endParaRPr lang="fr-FR" dirty="0" smtClean="0"/>
-          </a:p>
-          <a:p>
-            <a:r>
-              <a:rPr lang="fr-FR" dirty="0" err="1" smtClean="0"/>
+            <a:endParaRPr lang="fr-FR" sz="2800" dirty="0" smtClean="0"/>
+          </a:p>
+          <a:p>
+            <a:r>
+              <a:rPr lang="fr-FR" sz="2800" dirty="0" err="1" smtClean="0"/>
               <a:t>Embed</a:t>
             </a:r>
             <a:r>
-              <a:rPr lang="fr-FR" dirty="0" smtClean="0"/>
+              <a:rPr lang="fr-FR" sz="2800" dirty="0" smtClean="0"/>
               <a:t> the </a:t>
             </a:r>
             <a:r>
-              <a:rPr lang="fr-FR" dirty="0" err="1" smtClean="0"/>
+              <a:rPr lang="fr-FR" sz="2800" dirty="0" err="1" smtClean="0"/>
               <a:t>engine</a:t>
             </a:r>
             <a:r>
-              <a:rPr lang="fr-FR" dirty="0" smtClean="0"/>
+              <a:rPr lang="fr-FR" sz="2800" dirty="0" smtClean="0"/>
               <a:t> in the web application</a:t>
             </a:r>
           </a:p>
           <a:p>
             <a:r>
-              <a:rPr lang="fr-FR" dirty="0" smtClean="0"/>
+              <a:rPr lang="fr-FR" sz="2800" dirty="0" smtClean="0"/>
               <a:t>Manage </a:t>
             </a:r>
             <a:r>
-              <a:rPr lang="fr-FR" dirty="0" err="1" smtClean="0"/>
+              <a:rPr lang="fr-FR" sz="2800" dirty="0" err="1" smtClean="0"/>
               <a:t>users</a:t>
             </a:r>
-            <a:endParaRPr lang="fr-FR" dirty="0" smtClean="0"/>
-          </a:p>
-          <a:p>
-            <a:r>
-              <a:rPr lang="fr-FR" dirty="0" err="1" smtClean="0"/>
+            <a:endParaRPr lang="fr-FR" sz="2800" dirty="0" smtClean="0"/>
+          </a:p>
+          <a:p>
+            <a:r>
+              <a:rPr lang="fr-FR" sz="2800" dirty="0" err="1" smtClean="0"/>
               <a:t>Authenticate</a:t>
             </a:r>
             <a:r>
-              <a:rPr lang="fr-FR" dirty="0" smtClean="0"/>
+              <a:rPr lang="fr-FR" sz="2800" dirty="0" smtClean="0"/>
               <a:t> </a:t>
             </a:r>
             <a:r>
-              <a:rPr lang="fr-FR" dirty="0" err="1" smtClean="0"/>
+              <a:rPr lang="fr-FR" sz="2800" dirty="0" err="1" smtClean="0"/>
               <a:t>users</a:t>
             </a:r>
-            <a:endParaRPr lang="fr-FR" dirty="0" smtClean="0"/>
-          </a:p>
-          <a:p>
-            <a:r>
-              <a:rPr lang="fr-FR" dirty="0" err="1" smtClean="0"/>
+            <a:endParaRPr lang="fr-FR" sz="2800" dirty="0" smtClean="0"/>
+          </a:p>
+          <a:p>
+            <a:r>
+              <a:rPr lang="fr-FR" sz="2800" dirty="0" err="1" smtClean="0"/>
               <a:t>Human</a:t>
             </a:r>
             <a:r>
-              <a:rPr lang="fr-FR" dirty="0" smtClean="0"/>
+              <a:rPr lang="fr-FR" sz="2800" dirty="0" smtClean="0"/>
               <a:t> </a:t>
             </a:r>
             <a:r>
-              <a:rPr lang="fr-FR" dirty="0" err="1" smtClean="0"/>
+              <a:rPr lang="fr-FR" sz="2800" dirty="0" err="1" smtClean="0"/>
               <a:t>tasks</a:t>
             </a:r>
             <a:r>
-              <a:rPr lang="fr-FR" dirty="0" smtClean="0"/>
+              <a:rPr lang="fr-FR" sz="2800" dirty="0" smtClean="0"/>
               <a:t> </a:t>
             </a:r>
             <a:r>
-              <a:rPr lang="fr-FR" dirty="0" err="1" smtClean="0"/>
+              <a:rPr lang="fr-FR" sz="2800" dirty="0" err="1" smtClean="0"/>
               <a:t>managed</a:t>
             </a:r>
             <a:r>
-              <a:rPr lang="fr-FR" dirty="0" smtClean="0"/>
+              <a:rPr lang="fr-FR" sz="2800" dirty="0" smtClean="0"/>
               <a:t> by business application</a:t>
             </a:r>
           </a:p>
           <a:p>
             <a:r>
-              <a:rPr lang="fr-FR" dirty="0" err="1" smtClean="0"/>
+              <a:rPr lang="fr-FR" sz="2800" dirty="0" err="1" smtClean="0"/>
               <a:t>Rights</a:t>
             </a:r>
             <a:r>
-              <a:rPr lang="fr-FR" dirty="0" smtClean="0"/>
+              <a:rPr lang="fr-FR" sz="2800" dirty="0" smtClean="0"/>
               <a:t> management</a:t>
             </a:r>
           </a:p>
           <a:p>
             <a:r>
-              <a:rPr lang="fr-FR" dirty="0" err="1" smtClean="0"/>
+              <a:rPr lang="fr-FR" sz="2800" dirty="0" err="1" smtClean="0"/>
               <a:t>Handle</a:t>
             </a:r>
             <a:r>
-              <a:rPr lang="fr-FR" dirty="0" smtClean="0"/>
+              <a:rPr lang="fr-FR" sz="2800" dirty="0" smtClean="0"/>
               <a:t> </a:t>
             </a:r>
             <a:r>
-              <a:rPr lang="fr-FR" dirty="0" err="1" smtClean="0"/>
+              <a:rPr lang="fr-FR" sz="2800" dirty="0" err="1" smtClean="0"/>
               <a:t>unauthenticated</a:t>
             </a:r>
             <a:r>
-              <a:rPr lang="fr-FR" dirty="0" smtClean="0"/>
+              <a:rPr lang="fr-FR" sz="2800" dirty="0" smtClean="0"/>
               <a:t> </a:t>
             </a:r>
             <a:r>
-              <a:rPr lang="fr-FR" dirty="0" err="1" smtClean="0"/>
+              <a:rPr lang="fr-FR" sz="2800" dirty="0" err="1" smtClean="0"/>
               <a:t>users</a:t>
             </a:r>
-            <a:endParaRPr lang="fr-FR" dirty="0" smtClean="0"/>
-          </a:p>
-          <a:p>
-            <a:r>
-              <a:rPr lang="fr-FR" dirty="0" smtClean="0"/>
+            <a:endParaRPr lang="fr-FR" sz="2800" dirty="0" smtClean="0"/>
+          </a:p>
+          <a:p>
+            <a:r>
+              <a:rPr lang="fr-FR" sz="2800" dirty="0" smtClean="0"/>
               <a:t>…</a:t>
             </a:r>
-            <a:endParaRPr lang="fr-FR" dirty="0"/>
+            <a:endParaRPr lang="fr-FR" sz="2800" dirty="0"/>
           </a:p>
         </p:txBody>
       </p:sp>
@@ -17107,6 +17752,160 @@
     <p:extLst>
       <p:ext uri="{BB962C8B-B14F-4D97-AF65-F5344CB8AC3E}">
         <p14:creationId xmlns:p14="http://schemas.microsoft.com/office/powerpoint/2010/main" val="2310545530"/>
+      </p:ext>
+    </p:extLst>
+  </p:cSld>
+  <p:clrMapOvr>
+    <a:masterClrMapping/>
+  </p:clrMapOvr>
+  <p:timing>
+    <p:tnLst>
+      <p:par>
+        <p:cTn id="1" dur="indefinite" restart="never" nodeType="tmRoot"/>
+      </p:par>
+    </p:tnLst>
+  </p:timing>
+</p:sld>
+</file>
+
+<file path=ppt/slides/slide25.xml><?xml version="1.0" encoding="utf-8"?>
+<p:sld xmlns:a="http://schemas.openxmlformats.org/drawingml/2006/main" xmlns:r="http://schemas.openxmlformats.org/officeDocument/2006/relationships" xmlns:p="http://schemas.openxmlformats.org/presentationml/2006/main">
+  <p:cSld>
+    <p:spTree>
+      <p:nvGrpSpPr>
+        <p:cNvPr id="1" name=""/>
+        <p:cNvGrpSpPr/>
+        <p:nvPr/>
+      </p:nvGrpSpPr>
+      <p:grpSpPr>
+        <a:xfrm>
+          <a:off x="0" y="0"/>
+          <a:ext cx="0" cy="0"/>
+          <a:chOff x="0" y="0"/>
+          <a:chExt cx="0" cy="0"/>
+        </a:xfrm>
+      </p:grpSpPr>
+      <p:sp>
+        <p:nvSpPr>
+          <p:cNvPr id="2" name="Titre 1"/>
+          <p:cNvSpPr>
+            <a:spLocks noGrp="1"/>
+          </p:cNvSpPr>
+          <p:nvPr>
+            <p:ph type="title"/>
+          </p:nvPr>
+        </p:nvSpPr>
+        <p:spPr/>
+        <p:txBody>
+          <a:bodyPr/>
+          <a:lstStyle/>
+          <a:p>
+            <a:r>
+              <a:rPr lang="fr-FR" dirty="0" err="1" smtClean="0"/>
+              <a:t>Thanks</a:t>
+            </a:r>
+            <a:r>
+              <a:rPr lang="fr-FR" dirty="0" smtClean="0"/>
+              <a:t> for </a:t>
+            </a:r>
+            <a:r>
+              <a:rPr lang="fr-FR" dirty="0" err="1" smtClean="0"/>
+              <a:t>your</a:t>
+            </a:r>
+            <a:r>
+              <a:rPr lang="fr-FR" dirty="0" smtClean="0"/>
+              <a:t> attention !</a:t>
+            </a:r>
+            <a:endParaRPr lang="fr-FR" dirty="0"/>
+          </a:p>
+        </p:txBody>
+      </p:sp>
+      <p:pic>
+        <p:nvPicPr>
+          <p:cNvPr id="1026" name="Picture 2" descr="http://www.smartrecruiters.com/static/blog/wp-content/uploads/2012/02/ask_yahoo_answers_your_questions.jpg"/>
+          <p:cNvPicPr>
+            <a:picLocks noChangeAspect="1" noChangeArrowheads="1"/>
+          </p:cNvPicPr>
+          <p:nvPr/>
+        </p:nvPicPr>
+        <p:blipFill>
+          <a:blip r:embed="rId2">
+            <a:extLst>
+              <a:ext uri="{28A0092B-C50C-407E-A947-70E740481C1C}">
+                <a14:useLocalDpi xmlns:a14="http://schemas.microsoft.com/office/drawing/2010/main" val="0"/>
+              </a:ext>
+            </a:extLst>
+          </a:blip>
+          <a:srcRect/>
+          <a:stretch>
+            <a:fillRect/>
+          </a:stretch>
+        </p:blipFill>
+        <p:spPr bwMode="auto">
+          <a:xfrm>
+            <a:off x="2202160" y="3235796"/>
+            <a:ext cx="3810000" cy="2857500"/>
+          </a:xfrm>
+          <a:prstGeom prst="rect">
+            <a:avLst/>
+          </a:prstGeom>
+          <a:noFill/>
+          <a:extLst>
+            <a:ext uri="{909E8E84-426E-40DD-AFC4-6F175D3DCCD1}">
+              <a14:hiddenFill xmlns:a14="http://schemas.microsoft.com/office/drawing/2010/main">
+                <a:solidFill>
+                  <a:srgbClr val="FFFFFF"/>
+                </a:solidFill>
+              </a14:hiddenFill>
+            </a:ext>
+          </a:extLst>
+        </p:spPr>
+      </p:pic>
+      <p:sp>
+        <p:nvSpPr>
+          <p:cNvPr id="6" name="Espace réservé du contenu 2"/>
+          <p:cNvSpPr>
+            <a:spLocks noGrp="1"/>
+          </p:cNvSpPr>
+          <p:nvPr>
+            <p:ph idx="1"/>
+          </p:nvPr>
+        </p:nvSpPr>
+        <p:spPr>
+          <a:xfrm>
+            <a:off x="457200" y="1600200"/>
+            <a:ext cx="7620000" cy="1468760"/>
+          </a:xfrm>
+        </p:spPr>
+        <p:txBody>
+          <a:bodyPr>
+            <a:normAutofit/>
+          </a:bodyPr>
+          <a:lstStyle/>
+          <a:p>
+            <a:r>
+              <a:rPr lang="fr-FR" sz="2800" dirty="0" smtClean="0"/>
+              <a:t>Questions ?</a:t>
+            </a:r>
+            <a:endParaRPr lang="fr-FR" sz="2800" dirty="0" smtClean="0"/>
+          </a:p>
+          <a:p>
+            <a:r>
+              <a:rPr lang="fr-FR" sz="2800" dirty="0" err="1" smtClean="0"/>
+              <a:t>Answers</a:t>
+            </a:r>
+            <a:r>
+              <a:rPr lang="fr-FR" sz="2800" dirty="0" smtClean="0"/>
+              <a:t> !</a:t>
+            </a:r>
+            <a:endParaRPr lang="fr-FR" sz="2800" dirty="0" smtClean="0"/>
+          </a:p>
+        </p:txBody>
+      </p:sp>
+    </p:spTree>
+    <p:extLst>
+      <p:ext uri="{BB962C8B-B14F-4D97-AF65-F5344CB8AC3E}">
+        <p14:creationId xmlns:p14="http://schemas.microsoft.com/office/powerpoint/2010/main" val="3378664222"/>
       </p:ext>
     </p:extLst>
   </p:cSld>
@@ -17695,7 +18494,7 @@
         <p:spPr>
           <a:xfrm>
             <a:off x="251520" y="1825873"/>
-            <a:ext cx="2619628" cy="523220"/>
+            <a:ext cx="2839239" cy="523220"/>
           </a:xfrm>
           <a:prstGeom prst="rect">
             <a:avLst/>
@@ -17724,6 +18523,15 @@
                 <a:latin typeface="Telex"/>
               </a:rPr>
               <a:t>Paper</a:t>
+            </a:r>
+            <a:r>
+              <a:rPr lang="fr-FR" sz="2800" b="1" dirty="0" smtClean="0">
+                <a:solidFill>
+                  <a:srgbClr val="317EAC"/>
+                </a:solidFill>
+                <a:latin typeface="Telex"/>
+              </a:rPr>
+              <a:t> !</a:t>
             </a:r>
             <a:endParaRPr lang="fr-FR" sz="2800" b="1" i="0" dirty="0">
               <a:solidFill>
@@ -18350,9 +19158,366 @@
   <p:timing>
     <p:tnLst>
       <p:par>
-        <p:cTn id="1" dur="indefinite" restart="never" nodeType="tmRoot"/>
+        <p:cTn id="1" dur="indefinite" restart="never" nodeType="tmRoot">
+          <p:childTnLst>
+            <p:seq concurrent="1" nextAc="seek">
+              <p:cTn id="2" dur="indefinite" nodeType="mainSeq">
+                <p:childTnLst>
+                  <p:par>
+                    <p:cTn id="3" fill="hold">
+                      <p:stCondLst>
+                        <p:cond delay="indefinite"/>
+                      </p:stCondLst>
+                      <p:childTnLst>
+                        <p:par>
+                          <p:cTn id="4" fill="hold">
+                            <p:stCondLst>
+                              <p:cond delay="0"/>
+                            </p:stCondLst>
+                            <p:childTnLst>
+                              <p:par>
+                                <p:cTn id="5" presetID="2" presetClass="entr" presetSubtype="4" fill="hold" grpId="0" nodeType="clickEffect">
+                                  <p:stCondLst>
+                                    <p:cond delay="0"/>
+                                  </p:stCondLst>
+                                  <p:childTnLst>
+                                    <p:set>
+                                      <p:cBhvr>
+                                        <p:cTn id="6" dur="1" fill="hold">
+                                          <p:stCondLst>
+                                            <p:cond delay="0"/>
+                                          </p:stCondLst>
+                                        </p:cTn>
+                                        <p:tgtEl>
+                                          <p:spTgt spid="4"/>
+                                        </p:tgtEl>
+                                        <p:attrNameLst>
+                                          <p:attrName>style.visibility</p:attrName>
+                                        </p:attrNameLst>
+                                      </p:cBhvr>
+                                      <p:to>
+                                        <p:strVal val="visible"/>
+                                      </p:to>
+                                    </p:set>
+                                    <p:anim calcmode="lin" valueType="num">
+                                      <p:cBhvr additive="base">
+                                        <p:cTn id="7" dur="500" fill="hold"/>
+                                        <p:tgtEl>
+                                          <p:spTgt spid="4"/>
+                                        </p:tgtEl>
+                                        <p:attrNameLst>
+                                          <p:attrName>ppt_x</p:attrName>
+                                        </p:attrNameLst>
+                                      </p:cBhvr>
+                                      <p:tavLst>
+                                        <p:tav tm="0">
+                                          <p:val>
+                                            <p:strVal val="#ppt_x"/>
+                                          </p:val>
+                                        </p:tav>
+                                        <p:tav tm="100000">
+                                          <p:val>
+                                            <p:strVal val="#ppt_x"/>
+                                          </p:val>
+                                        </p:tav>
+                                      </p:tavLst>
+                                    </p:anim>
+                                    <p:anim calcmode="lin" valueType="num">
+                                      <p:cBhvr additive="base">
+                                        <p:cTn id="8" dur="500" fill="hold"/>
+                                        <p:tgtEl>
+                                          <p:spTgt spid="4"/>
+                                        </p:tgtEl>
+                                        <p:attrNameLst>
+                                          <p:attrName>ppt_y</p:attrName>
+                                        </p:attrNameLst>
+                                      </p:cBhvr>
+                                      <p:tavLst>
+                                        <p:tav tm="0">
+                                          <p:val>
+                                            <p:strVal val="1+#ppt_h/2"/>
+                                          </p:val>
+                                        </p:tav>
+                                        <p:tav tm="100000">
+                                          <p:val>
+                                            <p:strVal val="#ppt_y"/>
+                                          </p:val>
+                                        </p:tav>
+                                      </p:tavLst>
+                                    </p:anim>
+                                  </p:childTnLst>
+                                </p:cTn>
+                              </p:par>
+                              <p:par>
+                                <p:cTn id="9" presetID="2" presetClass="entr" presetSubtype="4" fill="hold" grpId="0" nodeType="withEffect">
+                                  <p:stCondLst>
+                                    <p:cond delay="0"/>
+                                  </p:stCondLst>
+                                  <p:childTnLst>
+                                    <p:set>
+                                      <p:cBhvr>
+                                        <p:cTn id="10" dur="1" fill="hold">
+                                          <p:stCondLst>
+                                            <p:cond delay="0"/>
+                                          </p:stCondLst>
+                                        </p:cTn>
+                                        <p:tgtEl>
+                                          <p:spTgt spid="5"/>
+                                        </p:tgtEl>
+                                        <p:attrNameLst>
+                                          <p:attrName>style.visibility</p:attrName>
+                                        </p:attrNameLst>
+                                      </p:cBhvr>
+                                      <p:to>
+                                        <p:strVal val="visible"/>
+                                      </p:to>
+                                    </p:set>
+                                    <p:anim calcmode="lin" valueType="num">
+                                      <p:cBhvr additive="base">
+                                        <p:cTn id="11" dur="500" fill="hold"/>
+                                        <p:tgtEl>
+                                          <p:spTgt spid="5"/>
+                                        </p:tgtEl>
+                                        <p:attrNameLst>
+                                          <p:attrName>ppt_x</p:attrName>
+                                        </p:attrNameLst>
+                                      </p:cBhvr>
+                                      <p:tavLst>
+                                        <p:tav tm="0">
+                                          <p:val>
+                                            <p:strVal val="#ppt_x"/>
+                                          </p:val>
+                                        </p:tav>
+                                        <p:tav tm="100000">
+                                          <p:val>
+                                            <p:strVal val="#ppt_x"/>
+                                          </p:val>
+                                        </p:tav>
+                                      </p:tavLst>
+                                    </p:anim>
+                                    <p:anim calcmode="lin" valueType="num">
+                                      <p:cBhvr additive="base">
+                                        <p:cTn id="12" dur="500" fill="hold"/>
+                                        <p:tgtEl>
+                                          <p:spTgt spid="5"/>
+                                        </p:tgtEl>
+                                        <p:attrNameLst>
+                                          <p:attrName>ppt_y</p:attrName>
+                                        </p:attrNameLst>
+                                      </p:cBhvr>
+                                      <p:tavLst>
+                                        <p:tav tm="0">
+                                          <p:val>
+                                            <p:strVal val="1+#ppt_h/2"/>
+                                          </p:val>
+                                        </p:tav>
+                                        <p:tav tm="100000">
+                                          <p:val>
+                                            <p:strVal val="#ppt_y"/>
+                                          </p:val>
+                                        </p:tav>
+                                      </p:tavLst>
+                                    </p:anim>
+                                  </p:childTnLst>
+                                </p:cTn>
+                              </p:par>
+                              <p:par>
+                                <p:cTn id="13" presetID="2" presetClass="entr" presetSubtype="4" fill="hold" grpId="0" nodeType="withEffect">
+                                  <p:stCondLst>
+                                    <p:cond delay="0"/>
+                                  </p:stCondLst>
+                                  <p:childTnLst>
+                                    <p:set>
+                                      <p:cBhvr>
+                                        <p:cTn id="14" dur="1" fill="hold">
+                                          <p:stCondLst>
+                                            <p:cond delay="0"/>
+                                          </p:stCondLst>
+                                        </p:cTn>
+                                        <p:tgtEl>
+                                          <p:spTgt spid="6"/>
+                                        </p:tgtEl>
+                                        <p:attrNameLst>
+                                          <p:attrName>style.visibility</p:attrName>
+                                        </p:attrNameLst>
+                                      </p:cBhvr>
+                                      <p:to>
+                                        <p:strVal val="visible"/>
+                                      </p:to>
+                                    </p:set>
+                                    <p:anim calcmode="lin" valueType="num">
+                                      <p:cBhvr additive="base">
+                                        <p:cTn id="15" dur="500" fill="hold"/>
+                                        <p:tgtEl>
+                                          <p:spTgt spid="6"/>
+                                        </p:tgtEl>
+                                        <p:attrNameLst>
+                                          <p:attrName>ppt_x</p:attrName>
+                                        </p:attrNameLst>
+                                      </p:cBhvr>
+                                      <p:tavLst>
+                                        <p:tav tm="0">
+                                          <p:val>
+                                            <p:strVal val="#ppt_x"/>
+                                          </p:val>
+                                        </p:tav>
+                                        <p:tav tm="100000">
+                                          <p:val>
+                                            <p:strVal val="#ppt_x"/>
+                                          </p:val>
+                                        </p:tav>
+                                      </p:tavLst>
+                                    </p:anim>
+                                    <p:anim calcmode="lin" valueType="num">
+                                      <p:cBhvr additive="base">
+                                        <p:cTn id="16" dur="500" fill="hold"/>
+                                        <p:tgtEl>
+                                          <p:spTgt spid="6"/>
+                                        </p:tgtEl>
+                                        <p:attrNameLst>
+                                          <p:attrName>ppt_y</p:attrName>
+                                        </p:attrNameLst>
+                                      </p:cBhvr>
+                                      <p:tavLst>
+                                        <p:tav tm="0">
+                                          <p:val>
+                                            <p:strVal val="1+#ppt_h/2"/>
+                                          </p:val>
+                                        </p:tav>
+                                        <p:tav tm="100000">
+                                          <p:val>
+                                            <p:strVal val="#ppt_y"/>
+                                          </p:val>
+                                        </p:tav>
+                                      </p:tavLst>
+                                    </p:anim>
+                                  </p:childTnLst>
+                                </p:cTn>
+                              </p:par>
+                            </p:childTnLst>
+                          </p:cTn>
+                        </p:par>
+                      </p:childTnLst>
+                    </p:cTn>
+                  </p:par>
+                  <p:par>
+                    <p:cTn id="17" fill="hold">
+                      <p:stCondLst>
+                        <p:cond delay="indefinite"/>
+                      </p:stCondLst>
+                      <p:childTnLst>
+                        <p:par>
+                          <p:cTn id="18" fill="hold">
+                            <p:stCondLst>
+                              <p:cond delay="0"/>
+                            </p:stCondLst>
+                            <p:childTnLst>
+                              <p:par>
+                                <p:cTn id="19" presetID="2" presetClass="entr" presetSubtype="4" fill="hold" grpId="0" nodeType="clickEffect">
+                                  <p:stCondLst>
+                                    <p:cond delay="0"/>
+                                  </p:stCondLst>
+                                  <p:childTnLst>
+                                    <p:set>
+                                      <p:cBhvr>
+                                        <p:cTn id="20" dur="1" fill="hold">
+                                          <p:stCondLst>
+                                            <p:cond delay="0"/>
+                                          </p:stCondLst>
+                                        </p:cTn>
+                                        <p:tgtEl>
+                                          <p:spTgt spid="7"/>
+                                        </p:tgtEl>
+                                        <p:attrNameLst>
+                                          <p:attrName>style.visibility</p:attrName>
+                                        </p:attrNameLst>
+                                      </p:cBhvr>
+                                      <p:to>
+                                        <p:strVal val="visible"/>
+                                      </p:to>
+                                    </p:set>
+                                    <p:anim calcmode="lin" valueType="num">
+                                      <p:cBhvr additive="base">
+                                        <p:cTn id="21" dur="500" fill="hold"/>
+                                        <p:tgtEl>
+                                          <p:spTgt spid="7"/>
+                                        </p:tgtEl>
+                                        <p:attrNameLst>
+                                          <p:attrName>ppt_x</p:attrName>
+                                        </p:attrNameLst>
+                                      </p:cBhvr>
+                                      <p:tavLst>
+                                        <p:tav tm="0">
+                                          <p:val>
+                                            <p:strVal val="#ppt_x"/>
+                                          </p:val>
+                                        </p:tav>
+                                        <p:tav tm="100000">
+                                          <p:val>
+                                            <p:strVal val="#ppt_x"/>
+                                          </p:val>
+                                        </p:tav>
+                                      </p:tavLst>
+                                    </p:anim>
+                                    <p:anim calcmode="lin" valueType="num">
+                                      <p:cBhvr additive="base">
+                                        <p:cTn id="22" dur="500" fill="hold"/>
+                                        <p:tgtEl>
+                                          <p:spTgt spid="7"/>
+                                        </p:tgtEl>
+                                        <p:attrNameLst>
+                                          <p:attrName>ppt_y</p:attrName>
+                                        </p:attrNameLst>
+                                      </p:cBhvr>
+                                      <p:tavLst>
+                                        <p:tav tm="0">
+                                          <p:val>
+                                            <p:strVal val="1+#ppt_h/2"/>
+                                          </p:val>
+                                        </p:tav>
+                                        <p:tav tm="100000">
+                                          <p:val>
+                                            <p:strVal val="#ppt_y"/>
+                                          </p:val>
+                                        </p:tav>
+                                      </p:tavLst>
+                                    </p:anim>
+                                  </p:childTnLst>
+                                </p:cTn>
+                              </p:par>
+                            </p:childTnLst>
+                          </p:cTn>
+                        </p:par>
+                      </p:childTnLst>
+                    </p:cTn>
+                  </p:par>
+                </p:childTnLst>
+              </p:cTn>
+              <p:prevCondLst>
+                <p:cond evt="onPrev" delay="0">
+                  <p:tgtEl>
+                    <p:sldTgt/>
+                  </p:tgtEl>
+                </p:cond>
+              </p:prevCondLst>
+              <p:nextCondLst>
+                <p:cond evt="onNext" delay="0">
+                  <p:tgtEl>
+                    <p:sldTgt/>
+                  </p:tgtEl>
+                </p:cond>
+              </p:nextCondLst>
+            </p:seq>
+          </p:childTnLst>
+        </p:cTn>
       </p:par>
     </p:tnLst>
+    <p:bldLst>
+      <p:bldP spid="4" grpId="0"/>
+      <p:bldP spid="5" grpId="0"/>
+      <p:bldP spid="6" grpId="0"/>
+      <p:bldP spid="7" grpId="0"/>
+    </p:bldLst>
   </p:timing>
 </p:sld>
 </file>
@@ -18806,17 +19971,7 @@
                   </a:schemeClr>
                 </a:solidFill>
               </a:rPr>
-              <a:t> </a:t>
-            </a:r>
-            <a:r>
-              <a:rPr lang="fr-FR" sz="5400" b="1" dirty="0" smtClean="0">
-                <a:solidFill>
-                  <a:schemeClr val="accent5">
-                    <a:lumMod val="50000"/>
-                  </a:schemeClr>
-                </a:solidFill>
-              </a:rPr>
-              <a:t>!</a:t>
+              <a:t> !</a:t>
             </a:r>
             <a:endParaRPr lang="fr-FR" sz="5400" b="1" dirty="0">
               <a:solidFill>
